--- a/lessons/D_Supervised/Day4_live_A_LSA_modeling.pptx
+++ b/lessons/D_Supervised/Day4_live_A_LSA_modeling.pptx
@@ -5,7 +5,7 @@
     <p:sldMasterId id="2147483660" r:id="rId1"/>
   </p:sldMasterIdLst>
   <p:notesMasterIdLst>
-    <p:notesMasterId r:id="rId18"/>
+    <p:notesMasterId r:id="rId21"/>
   </p:notesMasterIdLst>
   <p:sldIdLst>
     <p:sldId id="864" r:id="rId2"/>
@@ -16,14 +16,17 @@
     <p:sldId id="871" r:id="rId7"/>
     <p:sldId id="872" r:id="rId8"/>
     <p:sldId id="873" r:id="rId9"/>
-    <p:sldId id="874" r:id="rId10"/>
-    <p:sldId id="875" r:id="rId11"/>
-    <p:sldId id="876" r:id="rId12"/>
-    <p:sldId id="877" r:id="rId13"/>
-    <p:sldId id="811" r:id="rId14"/>
-    <p:sldId id="878" r:id="rId15"/>
-    <p:sldId id="879" r:id="rId16"/>
-    <p:sldId id="866" r:id="rId17"/>
+    <p:sldId id="880" r:id="rId10"/>
+    <p:sldId id="881" r:id="rId11"/>
+    <p:sldId id="882" r:id="rId12"/>
+    <p:sldId id="874" r:id="rId13"/>
+    <p:sldId id="875" r:id="rId14"/>
+    <p:sldId id="876" r:id="rId15"/>
+    <p:sldId id="877" r:id="rId16"/>
+    <p:sldId id="811" r:id="rId17"/>
+    <p:sldId id="878" r:id="rId18"/>
+    <p:sldId id="879" r:id="rId19"/>
+    <p:sldId id="866" r:id="rId20"/>
   </p:sldIdLst>
   <p:sldSz cx="9144000" cy="6858000" type="screen4x3"/>
   <p:notesSz cx="6858000" cy="9144000"/>
@@ -1051,7 +1054,7 @@
           <a:p>
             <a:fld id="{B0C0A60C-850A-4EA4-9C14-A8FE98B94505}" type="datetimeFigureOut">
               <a:rPr lang="en-US" smtClean="0"/>
-              <a:t>6/10/20</a:t>
+              <a:t>1/6/21</a:t>
             </a:fld>
             <a:endParaRPr lang="en-US"/>
           </a:p>
@@ -1534,7 +1537,7 @@
           <a:p>
             <a:fld id="{5738B90E-0779-4C36-915C-6F05FCD89456}" type="datetime1">
               <a:rPr lang="en-US" smtClean="0"/>
-              <a:t>6/10/20</a:t>
+              <a:t>1/6/21</a:t>
             </a:fld>
             <a:endParaRPr lang="en-US"/>
           </a:p>
@@ -1731,7 +1734,7 @@
           <a:p>
             <a:fld id="{7B9EA29D-D431-42FE-B7B6-AAE4454C77D3}" type="datetime1">
               <a:rPr lang="en-US" smtClean="0"/>
-              <a:t>6/10/20</a:t>
+              <a:t>1/6/21</a:t>
             </a:fld>
             <a:endParaRPr lang="en-US"/>
           </a:p>
@@ -2086,7 +2089,7 @@
           <a:p>
             <a:fld id="{690D8A1E-EA8F-46C1-B891-AE0C00D9C314}" type="datetime1">
               <a:rPr lang="en-US" smtClean="0"/>
-              <a:t>6/10/20</a:t>
+              <a:t>1/6/21</a:t>
             </a:fld>
             <a:endParaRPr lang="en-US"/>
           </a:p>
@@ -2394,7 +2397,7 @@
           <a:p>
             <a:fld id="{D753EFC8-4232-4598-94F6-94C0EBAFC469}" type="datetime1">
               <a:rPr lang="en-US" smtClean="0"/>
-              <a:t>6/10/20</a:t>
+              <a:t>1/6/21</a:t>
             </a:fld>
             <a:endParaRPr lang="en-US"/>
           </a:p>
@@ -2723,7 +2726,7 @@
           <a:p>
             <a:fld id="{F3161074-1C18-4AE7-957D-F18524378C85}" type="datetime1">
               <a:rPr lang="en-US" smtClean="0"/>
-              <a:t>6/10/20</a:t>
+              <a:t>1/6/21</a:t>
             </a:fld>
             <a:endParaRPr lang="en-US"/>
           </a:p>
@@ -2976,7 +2979,7 @@
           <a:p>
             <a:fld id="{69BE256C-8D9A-4404-B47D-41A1AE514425}" type="datetime1">
               <a:rPr lang="en-US" smtClean="0"/>
-              <a:t>6/10/20</a:t>
+              <a:t>1/6/21</a:t>
             </a:fld>
             <a:endParaRPr lang="en-US"/>
           </a:p>
@@ -3424,7 +3427,7 @@
           <a:p>
             <a:fld id="{66CB2154-9035-4012-8189-BAAB61C5A5EE}" type="datetime1">
               <a:rPr lang="en-US" smtClean="0"/>
-              <a:t>6/10/20</a:t>
+              <a:t>1/6/21</a:t>
             </a:fld>
             <a:endParaRPr lang="en-US"/>
           </a:p>
@@ -3612,7 +3615,7 @@
           <a:p>
             <a:fld id="{6700A58B-DD98-43D0-B791-721480A02982}" type="datetime1">
               <a:rPr lang="en-US" smtClean="0"/>
-              <a:t>6/10/20</a:t>
+              <a:t>1/6/21</a:t>
             </a:fld>
             <a:endParaRPr lang="en-US"/>
           </a:p>
@@ -3818,7 +3821,7 @@
           <a:p>
             <a:fld id="{7DB6E382-4F61-4E24-BE1A-377EC83D0E3A}" type="datetime1">
               <a:rPr lang="en-US" smtClean="0"/>
-              <a:t>6/10/20</a:t>
+              <a:t>1/6/21</a:t>
             </a:fld>
             <a:endParaRPr lang="en-US"/>
           </a:p>
@@ -4224,7 +4227,7 @@
           <a:p>
             <a:fld id="{4142EED6-FC16-45B9-B8C4-2BC5DBA88325}" type="datetime1">
               <a:rPr lang="en-US" smtClean="0"/>
-              <a:t>6/10/20</a:t>
+              <a:t>1/6/21</a:t>
             </a:fld>
             <a:endParaRPr lang="en-US"/>
           </a:p>
@@ -4556,7 +4559,7 @@
           <a:p>
             <a:fld id="{DF59512B-4F1D-43D7-8819-2F53FEF69650}" type="datetime1">
               <a:rPr lang="en-US" smtClean="0"/>
-              <a:t>6/10/20</a:t>
+              <a:t>1/6/21</a:t>
             </a:fld>
             <a:endParaRPr lang="en-US"/>
           </a:p>
@@ -4846,7 +4849,7 @@
           <a:p>
             <a:fld id="{08437B94-E2BF-44DC-ADC5-B05FC9934E9D}" type="datetime1">
               <a:rPr lang="en-US" smtClean="0"/>
-              <a:t>6/10/20</a:t>
+              <a:t>1/6/21</a:t>
             </a:fld>
             <a:endParaRPr lang="en-US"/>
           </a:p>
@@ -5324,7 +5327,7 @@
           <a:p>
             <a:fld id="{6700A58B-DD98-43D0-B791-721480A02982}" type="datetime1">
               <a:rPr lang="en-US" smtClean="0"/>
-              <a:t>6/10/20</a:t>
+              <a:t>1/6/21</a:t>
             </a:fld>
             <a:endParaRPr lang="en-US"/>
           </a:p>
@@ -5632,7 +5635,2711 @@
           <a:p>
             <a:fld id="{6700A58B-DD98-43D0-B791-721480A02982}" type="datetime1">
               <a:rPr lang="en-US" smtClean="0"/>
-              <a:t>6/10/20</a:t>
+              <a:t>1/6/21</a:t>
+            </a:fld>
+            <a:endParaRPr lang="en-US"/>
+          </a:p>
+        </p:txBody>
+      </p:sp>
+      <p:sp>
+        <p:nvSpPr>
+          <p:cNvPr id="3" name="Title 2">
+            <a:extLst>
+              <a:ext uri="{FF2B5EF4-FFF2-40B4-BE49-F238E27FC236}">
+                <a16:creationId xmlns:a16="http://schemas.microsoft.com/office/drawing/2014/main" id="{837E55FF-D0F5-F342-9741-63005B2F5BA1}"/>
+              </a:ext>
+            </a:extLst>
+          </p:cNvPr>
+          <p:cNvSpPr>
+            <a:spLocks noGrp="1"/>
+          </p:cNvSpPr>
+          <p:nvPr>
+            <p:ph type="title"/>
+          </p:nvPr>
+        </p:nvSpPr>
+        <p:spPr>
+          <a:xfrm>
+            <a:off x="0" y="249382"/>
+            <a:ext cx="9144000" cy="537700"/>
+          </a:xfrm>
+        </p:spPr>
+        <p:txBody>
+          <a:bodyPr/>
+          <a:lstStyle/>
+          <a:p>
+            <a:r>
+              <a:rPr lang="en-US" sz="2800" dirty="0"/>
+              <a:t>Intuitive Example of PCA</a:t>
+            </a:r>
+            <a:br>
+              <a:rPr lang="en-US" sz="2400" dirty="0"/>
+            </a:br>
+            <a:r>
+              <a:rPr lang="en-US" sz="2400" dirty="0"/>
+              <a:t>Where is the </a:t>
+            </a:r>
+            <a:r>
+              <a:rPr lang="en-US" sz="2400" dirty="0" err="1"/>
+              <a:t>Musee</a:t>
+            </a:r>
+            <a:r>
+              <a:rPr lang="en-US" sz="2400" dirty="0"/>
+              <a:t> </a:t>
+            </a:r>
+            <a:r>
+              <a:rPr lang="en-US" sz="2400" dirty="0" err="1"/>
+              <a:t>Jacquemart</a:t>
+            </a:r>
+            <a:r>
+              <a:rPr lang="en-US" sz="2400" dirty="0"/>
+              <a:t>-Andre in Paris?</a:t>
+            </a:r>
+            <a:br>
+              <a:rPr lang="en-US" sz="2400" dirty="0"/>
+            </a:br>
+            <a:endParaRPr lang="en-US" sz="2800" dirty="0"/>
+          </a:p>
+        </p:txBody>
+      </p:sp>
+      <p:sp>
+        <p:nvSpPr>
+          <p:cNvPr id="4" name="Footer Placeholder 3">
+            <a:extLst>
+              <a:ext uri="{FF2B5EF4-FFF2-40B4-BE49-F238E27FC236}">
+                <a16:creationId xmlns:a16="http://schemas.microsoft.com/office/drawing/2014/main" id="{5CB4E302-66AC-3246-9AFF-7DBBBF305F02}"/>
+              </a:ext>
+            </a:extLst>
+          </p:cNvPr>
+          <p:cNvSpPr>
+            <a:spLocks noGrp="1"/>
+          </p:cNvSpPr>
+          <p:nvPr>
+            <p:ph type="ftr" sz="quarter" idx="3"/>
+          </p:nvPr>
+        </p:nvSpPr>
+        <p:spPr/>
+        <p:txBody>
+          <a:bodyPr/>
+          <a:lstStyle/>
+          <a:p>
+            <a:r>
+              <a:rPr lang="en-US"/>
+              <a:t>Kwartler</a:t>
+            </a:r>
+            <a:endParaRPr lang="en-US" dirty="0"/>
+          </a:p>
+        </p:txBody>
+      </p:sp>
+      <p:sp>
+        <p:nvSpPr>
+          <p:cNvPr id="5" name="Slide Number Placeholder 4">
+            <a:extLst>
+              <a:ext uri="{FF2B5EF4-FFF2-40B4-BE49-F238E27FC236}">
+                <a16:creationId xmlns:a16="http://schemas.microsoft.com/office/drawing/2014/main" id="{A048682B-49BD-9F4B-8CFB-B46CAAD920C4}"/>
+              </a:ext>
+            </a:extLst>
+          </p:cNvPr>
+          <p:cNvSpPr>
+            <a:spLocks noGrp="1"/>
+          </p:cNvSpPr>
+          <p:nvPr>
+            <p:ph type="sldNum" sz="quarter" idx="4"/>
+          </p:nvPr>
+        </p:nvSpPr>
+        <p:spPr/>
+        <p:txBody>
+          <a:bodyPr/>
+          <a:lstStyle/>
+          <a:p>
+            <a:fld id="{37290FF7-652B-4475-AEAB-8B1A5D23AE09}" type="slidenum">
+              <a:rPr lang="en-US" smtClean="0"/>
+              <a:pPr/>
+              <a:t>10</a:t>
+            </a:fld>
+            <a:endParaRPr lang="en-US" dirty="0"/>
+          </a:p>
+        </p:txBody>
+      </p:sp>
+      <p:pic>
+        <p:nvPicPr>
+          <p:cNvPr id="46" name="Picture 45" descr="A close up of a map&#10;&#10;Description automatically generated">
+            <a:extLst>
+              <a:ext uri="{FF2B5EF4-FFF2-40B4-BE49-F238E27FC236}">
+                <a16:creationId xmlns:a16="http://schemas.microsoft.com/office/drawing/2014/main" id="{373FF655-7830-0A45-A689-8D0C9BB68B0C}"/>
+              </a:ext>
+            </a:extLst>
+          </p:cNvPr>
+          <p:cNvPicPr>
+            <a:picLocks noChangeAspect="1"/>
+          </p:cNvPicPr>
+          <p:nvPr/>
+        </p:nvPicPr>
+        <p:blipFill>
+          <a:blip r:embed="rId2">
+            <a:extLst>
+              <a:ext uri="{28A0092B-C50C-407E-A947-70E740481C1C}">
+                <a14:useLocalDpi xmlns:a14="http://schemas.microsoft.com/office/drawing/2010/main" val="0"/>
+              </a:ext>
+            </a:extLst>
+          </a:blip>
+          <a:srcRect l="15971" t="1964"/>
+          <a:stretch>
+            <a:fillRect/>
+          </a:stretch>
+        </p:blipFill>
+        <p:spPr>
+          <a:xfrm rot="20151040">
+            <a:off x="-233379" y="411648"/>
+            <a:ext cx="6400800" cy="5079085"/>
+          </a:xfrm>
+          <a:custGeom>
+            <a:avLst/>
+            <a:gdLst>
+              <a:gd name="connsiteX0" fmla="*/ 1467971 w 7683592"/>
+              <a:gd name="connsiteY0" fmla="*/ 0 h 6096986"/>
+              <a:gd name="connsiteX1" fmla="*/ 7683592 w 7683592"/>
+              <a:gd name="connsiteY1" fmla="*/ 2786807 h 6096986"/>
+              <a:gd name="connsiteX2" fmla="*/ 7683592 w 7683592"/>
+              <a:gd name="connsiteY2" fmla="*/ 3253449 h 6096986"/>
+              <a:gd name="connsiteX3" fmla="*/ 6408677 w 7683592"/>
+              <a:gd name="connsiteY3" fmla="*/ 6096986 h 6096986"/>
+              <a:gd name="connsiteX4" fmla="*/ 6296035 w 7683592"/>
+              <a:gd name="connsiteY4" fmla="*/ 6096986 h 6096986"/>
+              <a:gd name="connsiteX5" fmla="*/ 0 w 7683592"/>
+              <a:gd name="connsiteY5" fmla="*/ 3274125 h 6096986"/>
+              <a:gd name="connsiteX6" fmla="*/ 1467971 w 7683592"/>
+              <a:gd name="connsiteY6" fmla="*/ 0 h 6096986"/>
+            </a:gdLst>
+            <a:ahLst/>
+            <a:cxnLst>
+              <a:cxn ang="0">
+                <a:pos x="connsiteX0" y="connsiteY0"/>
+              </a:cxn>
+              <a:cxn ang="0">
+                <a:pos x="connsiteX1" y="connsiteY1"/>
+              </a:cxn>
+              <a:cxn ang="0">
+                <a:pos x="connsiteX2" y="connsiteY2"/>
+              </a:cxn>
+              <a:cxn ang="0">
+                <a:pos x="connsiteX3" y="connsiteY3"/>
+              </a:cxn>
+              <a:cxn ang="0">
+                <a:pos x="connsiteX4" y="connsiteY4"/>
+              </a:cxn>
+              <a:cxn ang="0">
+                <a:pos x="connsiteX5" y="connsiteY5"/>
+              </a:cxn>
+              <a:cxn ang="0">
+                <a:pos x="connsiteX6" y="connsiteY6"/>
+              </a:cxn>
+            </a:cxnLst>
+            <a:rect l="l" t="t" r="r" b="b"/>
+            <a:pathLst>
+              <a:path w="7683592" h="6096986">
+                <a:moveTo>
+                  <a:pt x="1467971" y="0"/>
+                </a:moveTo>
+                <a:lnTo>
+                  <a:pt x="7683592" y="2786807"/>
+                </a:lnTo>
+                <a:lnTo>
+                  <a:pt x="7683592" y="3253449"/>
+                </a:lnTo>
+                <a:lnTo>
+                  <a:pt x="6408677" y="6096986"/>
+                </a:lnTo>
+                <a:lnTo>
+                  <a:pt x="6296035" y="6096986"/>
+                </a:lnTo>
+                <a:lnTo>
+                  <a:pt x="0" y="3274125"/>
+                </a:lnTo>
+                <a:lnTo>
+                  <a:pt x="1467971" y="0"/>
+                </a:lnTo>
+                <a:close/>
+              </a:path>
+            </a:pathLst>
+          </a:custGeom>
+        </p:spPr>
+      </p:pic>
+      <p:pic>
+        <p:nvPicPr>
+          <p:cNvPr id="44" name="Picture 43" descr="A close up of a map&#10;&#10;Description automatically generated">
+            <a:extLst>
+              <a:ext uri="{FF2B5EF4-FFF2-40B4-BE49-F238E27FC236}">
+                <a16:creationId xmlns:a16="http://schemas.microsoft.com/office/drawing/2014/main" id="{88E77FC7-DF48-E04D-A897-DC2C0E3EB01A}"/>
+              </a:ext>
+            </a:extLst>
+          </p:cNvPr>
+          <p:cNvPicPr>
+            <a:picLocks noChangeAspect="1"/>
+          </p:cNvPicPr>
+          <p:nvPr/>
+        </p:nvPicPr>
+        <p:blipFill>
+          <a:blip r:embed="rId2">
+            <a:extLst>
+              <a:ext uri="{28A0092B-C50C-407E-A947-70E740481C1C}">
+                <a14:useLocalDpi xmlns:a14="http://schemas.microsoft.com/office/drawing/2010/main" val="0"/>
+              </a:ext>
+            </a:extLst>
+          </a:blip>
+          <a:srcRect l="100000" t="46774" r="-1905" b="45723"/>
+          <a:stretch>
+            <a:fillRect/>
+          </a:stretch>
+        </p:blipFill>
+        <p:spPr>
+          <a:xfrm rot="20151040">
+            <a:off x="8844152" y="1217161"/>
+            <a:ext cx="174203" cy="466642"/>
+          </a:xfrm>
+          <a:custGeom>
+            <a:avLst/>
+            <a:gdLst>
+              <a:gd name="connsiteX0" fmla="*/ 0 w 174203"/>
+              <a:gd name="connsiteY0" fmla="*/ 0 h 466642"/>
+              <a:gd name="connsiteX1" fmla="*/ 174203 w 174203"/>
+              <a:gd name="connsiteY1" fmla="*/ 78105 h 466642"/>
+              <a:gd name="connsiteX2" fmla="*/ 0 w 174203"/>
+              <a:gd name="connsiteY2" fmla="*/ 466642 h 466642"/>
+              <a:gd name="connsiteX3" fmla="*/ 0 w 174203"/>
+              <a:gd name="connsiteY3" fmla="*/ 0 h 466642"/>
+            </a:gdLst>
+            <a:ahLst/>
+            <a:cxnLst>
+              <a:cxn ang="0">
+                <a:pos x="connsiteX0" y="connsiteY0"/>
+              </a:cxn>
+              <a:cxn ang="0">
+                <a:pos x="connsiteX1" y="connsiteY1"/>
+              </a:cxn>
+              <a:cxn ang="0">
+                <a:pos x="connsiteX2" y="connsiteY2"/>
+              </a:cxn>
+              <a:cxn ang="0">
+                <a:pos x="connsiteX3" y="connsiteY3"/>
+              </a:cxn>
+            </a:cxnLst>
+            <a:rect l="l" t="t" r="r" b="b"/>
+            <a:pathLst>
+              <a:path w="174203" h="466642">
+                <a:moveTo>
+                  <a:pt x="0" y="0"/>
+                </a:moveTo>
+                <a:lnTo>
+                  <a:pt x="174203" y="78105"/>
+                </a:lnTo>
+                <a:lnTo>
+                  <a:pt x="0" y="466642"/>
+                </a:lnTo>
+                <a:lnTo>
+                  <a:pt x="0" y="0"/>
+                </a:lnTo>
+                <a:close/>
+              </a:path>
+            </a:pathLst>
+          </a:custGeom>
+        </p:spPr>
+      </p:pic>
+      <p:pic>
+        <p:nvPicPr>
+          <p:cNvPr id="42" name="Picture 41" descr="A close up of a map&#10;&#10;Description automatically generated">
+            <a:extLst>
+              <a:ext uri="{FF2B5EF4-FFF2-40B4-BE49-F238E27FC236}">
+                <a16:creationId xmlns:a16="http://schemas.microsoft.com/office/drawing/2014/main" id="{E12ACE8A-375D-494B-A08A-FBD5AA354376}"/>
+              </a:ext>
+            </a:extLst>
+          </p:cNvPr>
+          <p:cNvPicPr>
+            <a:picLocks noChangeAspect="1"/>
+          </p:cNvPicPr>
+          <p:nvPr/>
+        </p:nvPicPr>
+        <p:blipFill>
+          <a:blip r:embed="rId2">
+            <a:extLst>
+              <a:ext uri="{28A0092B-C50C-407E-A947-70E740481C1C}">
+                <a14:useLocalDpi xmlns:a14="http://schemas.microsoft.com/office/drawing/2010/main" val="0"/>
+              </a:ext>
+            </a:extLst>
+          </a:blip>
+          <a:srcRect l="84825" t="100000" r="13943" b="-676"/>
+          <a:stretch>
+            <a:fillRect/>
+          </a:stretch>
+        </p:blipFill>
+        <p:spPr>
+          <a:xfrm rot="20151040">
+            <a:off x="8848119" y="4836486"/>
+            <a:ext cx="112642" cy="42051"/>
+          </a:xfrm>
+          <a:custGeom>
+            <a:avLst/>
+            <a:gdLst>
+              <a:gd name="connsiteX0" fmla="*/ 112642 w 112642"/>
+              <a:gd name="connsiteY0" fmla="*/ 0 h 42051"/>
+              <a:gd name="connsiteX1" fmla="*/ 93789 w 112642"/>
+              <a:gd name="connsiteY1" fmla="*/ 42051 h 42051"/>
+              <a:gd name="connsiteX2" fmla="*/ 0 w 112642"/>
+              <a:gd name="connsiteY2" fmla="*/ 0 h 42051"/>
+              <a:gd name="connsiteX3" fmla="*/ 112642 w 112642"/>
+              <a:gd name="connsiteY3" fmla="*/ 0 h 42051"/>
+            </a:gdLst>
+            <a:ahLst/>
+            <a:cxnLst>
+              <a:cxn ang="0">
+                <a:pos x="connsiteX0" y="connsiteY0"/>
+              </a:cxn>
+              <a:cxn ang="0">
+                <a:pos x="connsiteX1" y="connsiteY1"/>
+              </a:cxn>
+              <a:cxn ang="0">
+                <a:pos x="connsiteX2" y="connsiteY2"/>
+              </a:cxn>
+              <a:cxn ang="0">
+                <a:pos x="connsiteX3" y="connsiteY3"/>
+              </a:cxn>
+            </a:cxnLst>
+            <a:rect l="l" t="t" r="r" b="b"/>
+            <a:pathLst>
+              <a:path w="112642" h="42051">
+                <a:moveTo>
+                  <a:pt x="112642" y="0"/>
+                </a:moveTo>
+                <a:lnTo>
+                  <a:pt x="93789" y="42051"/>
+                </a:lnTo>
+                <a:lnTo>
+                  <a:pt x="0" y="0"/>
+                </a:lnTo>
+                <a:lnTo>
+                  <a:pt x="112642" y="0"/>
+                </a:lnTo>
+                <a:close/>
+              </a:path>
+            </a:pathLst>
+          </a:custGeom>
+        </p:spPr>
+      </p:pic>
+      <p:sp>
+        <p:nvSpPr>
+          <p:cNvPr id="13" name="Rectangle 12">
+            <a:extLst>
+              <a:ext uri="{FF2B5EF4-FFF2-40B4-BE49-F238E27FC236}">
+                <a16:creationId xmlns:a16="http://schemas.microsoft.com/office/drawing/2014/main" id="{F8C338B6-59CD-954D-98C7-351E61B71E2A}"/>
+              </a:ext>
+            </a:extLst>
+          </p:cNvPr>
+          <p:cNvSpPr/>
+          <p:nvPr/>
+        </p:nvSpPr>
+        <p:spPr>
+          <a:xfrm>
+            <a:off x="6059348" y="1797896"/>
+            <a:ext cx="1799863" cy="646331"/>
+          </a:xfrm>
+          <a:prstGeom prst="rect">
+            <a:avLst/>
+          </a:prstGeom>
+        </p:spPr>
+        <p:txBody>
+          <a:bodyPr wrap="square">
+            <a:spAutoFit/>
+          </a:bodyPr>
+          <a:lstStyle/>
+          <a:p>
+            <a:pPr fontAlgn="base"/>
+            <a:r>
+              <a:rPr lang="en-US" dirty="0">
+                <a:latin typeface="inherit"/>
+              </a:rPr>
+              <a:t>LAT: 48.874911</a:t>
+            </a:r>
+            <a:endParaRPr lang="en-US" dirty="0">
+              <a:latin typeface="proxima-nova"/>
+            </a:endParaRPr>
+          </a:p>
+          <a:p>
+            <a:pPr fontAlgn="base"/>
+            <a:r>
+              <a:rPr lang="en-US" cap="all" dirty="0">
+                <a:latin typeface="proxima-nova"/>
+              </a:rPr>
+              <a:t>LON</a:t>
+            </a:r>
+            <a:r>
+              <a:rPr lang="en-US" cap="all" dirty="0">
+                <a:latin typeface="inherit"/>
+              </a:rPr>
+              <a:t>:</a:t>
+            </a:r>
+            <a:r>
+              <a:rPr lang="en-US" dirty="0">
+                <a:latin typeface="inherit"/>
+              </a:rPr>
+              <a:t>2.310612</a:t>
+            </a:r>
+            <a:endParaRPr lang="en-US" i="0" dirty="0">
+              <a:effectLst/>
+              <a:latin typeface="proxima-nova"/>
+            </a:endParaRPr>
+          </a:p>
+        </p:txBody>
+      </p:sp>
+      <p:sp>
+        <p:nvSpPr>
+          <p:cNvPr id="15" name="TextBox 14">
+            <a:extLst>
+              <a:ext uri="{FF2B5EF4-FFF2-40B4-BE49-F238E27FC236}">
+                <a16:creationId xmlns:a16="http://schemas.microsoft.com/office/drawing/2014/main" id="{AF155576-EB51-4441-AC2A-FAED69B3571C}"/>
+              </a:ext>
+            </a:extLst>
+          </p:cNvPr>
+          <p:cNvSpPr txBox="1"/>
+          <p:nvPr/>
+        </p:nvSpPr>
+        <p:spPr>
+          <a:xfrm>
+            <a:off x="6004999" y="1458410"/>
+            <a:ext cx="3202928" cy="369332"/>
+          </a:xfrm>
+          <a:prstGeom prst="rect">
+            <a:avLst/>
+          </a:prstGeom>
+          <a:noFill/>
+        </p:spPr>
+        <p:txBody>
+          <a:bodyPr wrap="none" rtlCol="0">
+            <a:spAutoFit/>
+          </a:bodyPr>
+          <a:lstStyle/>
+          <a:p>
+            <a:r>
+              <a:rPr lang="en-US" b="1" dirty="0"/>
+              <a:t>Exact Answer has 2 data points.</a:t>
+            </a:r>
+          </a:p>
+        </p:txBody>
+      </p:sp>
+      <p:sp>
+        <p:nvSpPr>
+          <p:cNvPr id="16" name="Oval 15">
+            <a:extLst>
+              <a:ext uri="{FF2B5EF4-FFF2-40B4-BE49-F238E27FC236}">
+                <a16:creationId xmlns:a16="http://schemas.microsoft.com/office/drawing/2014/main" id="{59EEA57E-35E8-134E-AC0E-6AE8328C317B}"/>
+              </a:ext>
+            </a:extLst>
+          </p:cNvPr>
+          <p:cNvSpPr/>
+          <p:nvPr/>
+        </p:nvSpPr>
+        <p:spPr>
+          <a:xfrm>
+            <a:off x="2569580" y="2129742"/>
+            <a:ext cx="694481" cy="694481"/>
+          </a:xfrm>
+          <a:prstGeom prst="ellipse">
+            <a:avLst/>
+          </a:prstGeom>
+          <a:noFill/>
+          <a:ln w="76200">
+            <a:solidFill>
+              <a:srgbClr val="FF0000"/>
+            </a:solidFill>
+          </a:ln>
+        </p:spPr>
+        <p:style>
+          <a:lnRef idx="2">
+            <a:schemeClr val="accent1">
+              <a:shade val="50000"/>
+            </a:schemeClr>
+          </a:lnRef>
+          <a:fillRef idx="1">
+            <a:schemeClr val="accent1"/>
+          </a:fillRef>
+          <a:effectRef idx="0">
+            <a:schemeClr val="accent1"/>
+          </a:effectRef>
+          <a:fontRef idx="minor">
+            <a:schemeClr val="lt1"/>
+          </a:fontRef>
+        </p:style>
+        <p:txBody>
+          <a:bodyPr rtlCol="0" anchor="ctr"/>
+          <a:lstStyle/>
+          <a:p>
+            <a:pPr algn="ctr"/>
+            <a:endParaRPr lang="en-US"/>
+          </a:p>
+        </p:txBody>
+      </p:sp>
+      <p:cxnSp>
+        <p:nvCxnSpPr>
+          <p:cNvPr id="47" name="Straight Connector 46">
+            <a:extLst>
+              <a:ext uri="{FF2B5EF4-FFF2-40B4-BE49-F238E27FC236}">
+                <a16:creationId xmlns:a16="http://schemas.microsoft.com/office/drawing/2014/main" id="{687C66A0-C715-514A-B936-24F750877E34}"/>
+              </a:ext>
+            </a:extLst>
+          </p:cNvPr>
+          <p:cNvCxnSpPr/>
+          <p:nvPr/>
+        </p:nvCxnSpPr>
+        <p:spPr>
+          <a:xfrm>
+            <a:off x="6798363" y="6549885"/>
+            <a:ext cx="0" cy="182880"/>
+          </a:xfrm>
+          <a:prstGeom prst="line">
+            <a:avLst/>
+          </a:prstGeom>
+          <a:ln>
+            <a:solidFill>
+              <a:schemeClr val="bg1">
+                <a:lumMod val="85000"/>
+              </a:schemeClr>
+            </a:solidFill>
+          </a:ln>
+        </p:spPr>
+        <p:style>
+          <a:lnRef idx="1">
+            <a:schemeClr val="accent1"/>
+          </a:lnRef>
+          <a:fillRef idx="0">
+            <a:schemeClr val="accent1"/>
+          </a:fillRef>
+          <a:effectRef idx="0">
+            <a:schemeClr val="accent1"/>
+          </a:effectRef>
+          <a:fontRef idx="minor">
+            <a:schemeClr val="tx1"/>
+          </a:fontRef>
+        </p:style>
+      </p:cxnSp>
+      <p:cxnSp>
+        <p:nvCxnSpPr>
+          <p:cNvPr id="48" name="Straight Connector 47">
+            <a:extLst>
+              <a:ext uri="{FF2B5EF4-FFF2-40B4-BE49-F238E27FC236}">
+                <a16:creationId xmlns:a16="http://schemas.microsoft.com/office/drawing/2014/main" id="{5C1803B2-C478-8D46-8DFB-084D6807041E}"/>
+              </a:ext>
+            </a:extLst>
+          </p:cNvPr>
+          <p:cNvCxnSpPr/>
+          <p:nvPr/>
+        </p:nvCxnSpPr>
+        <p:spPr>
+          <a:xfrm>
+            <a:off x="7076661" y="4664763"/>
+            <a:ext cx="182880" cy="0"/>
+          </a:xfrm>
+          <a:prstGeom prst="line">
+            <a:avLst/>
+          </a:prstGeom>
+          <a:ln>
+            <a:solidFill>
+              <a:schemeClr val="bg1">
+                <a:lumMod val="85000"/>
+              </a:schemeClr>
+            </a:solidFill>
+          </a:ln>
+        </p:spPr>
+        <p:style>
+          <a:lnRef idx="1">
+            <a:schemeClr val="accent1"/>
+          </a:lnRef>
+          <a:fillRef idx="0">
+            <a:schemeClr val="accent1"/>
+          </a:fillRef>
+          <a:effectRef idx="0">
+            <a:schemeClr val="accent1"/>
+          </a:effectRef>
+          <a:fontRef idx="minor">
+            <a:schemeClr val="tx1"/>
+          </a:fontRef>
+        </p:style>
+      </p:cxnSp>
+      <p:sp>
+        <p:nvSpPr>
+          <p:cNvPr id="49" name="TextBox 48">
+            <a:extLst>
+              <a:ext uri="{FF2B5EF4-FFF2-40B4-BE49-F238E27FC236}">
+                <a16:creationId xmlns:a16="http://schemas.microsoft.com/office/drawing/2014/main" id="{1CFDC6DD-C270-7542-B818-A665B5C72A11}"/>
+              </a:ext>
+            </a:extLst>
+          </p:cNvPr>
+          <p:cNvSpPr txBox="1"/>
+          <p:nvPr/>
+        </p:nvSpPr>
+        <p:spPr>
+          <a:xfrm>
+            <a:off x="6004999" y="2606233"/>
+            <a:ext cx="3139001" cy="923330"/>
+          </a:xfrm>
+          <a:prstGeom prst="rect">
+            <a:avLst/>
+          </a:prstGeom>
+          <a:noFill/>
+          <a:ln>
+            <a:noFill/>
+          </a:ln>
+        </p:spPr>
+        <p:txBody>
+          <a:bodyPr wrap="square" rtlCol="0">
+            <a:spAutoFit/>
+          </a:bodyPr>
+          <a:lstStyle/>
+          <a:p>
+            <a:r>
+              <a:rPr lang="en-US" b="1" dirty="0"/>
+              <a:t>Quick Answer has 1 data point.</a:t>
+            </a:r>
+          </a:p>
+          <a:p>
+            <a:r>
+              <a:rPr lang="en-US" b="1" dirty="0">
+                <a:solidFill>
+                  <a:schemeClr val="accent1"/>
+                </a:solidFill>
+              </a:rPr>
+              <a:t>Its about 1.5k from Arc de Triumph</a:t>
+            </a:r>
+          </a:p>
+        </p:txBody>
+      </p:sp>
+      <p:cxnSp>
+        <p:nvCxnSpPr>
+          <p:cNvPr id="18" name="Straight Arrow Connector 17">
+            <a:extLst>
+              <a:ext uri="{FF2B5EF4-FFF2-40B4-BE49-F238E27FC236}">
+                <a16:creationId xmlns:a16="http://schemas.microsoft.com/office/drawing/2014/main" id="{AF7DA3E5-70CC-8742-B557-7B1793E5238B}"/>
+              </a:ext>
+            </a:extLst>
+          </p:cNvPr>
+          <p:cNvCxnSpPr>
+            <a:cxnSpLocks/>
+          </p:cNvCxnSpPr>
+          <p:nvPr/>
+        </p:nvCxnSpPr>
+        <p:spPr>
+          <a:xfrm flipV="1">
+            <a:off x="462986" y="1412115"/>
+            <a:ext cx="0" cy="2430682"/>
+          </a:xfrm>
+          <a:prstGeom prst="straightConnector1">
+            <a:avLst/>
+          </a:prstGeom>
+          <a:ln w="76200">
+            <a:solidFill>
+              <a:schemeClr val="bg1">
+                <a:lumMod val="65000"/>
+              </a:schemeClr>
+            </a:solidFill>
+            <a:tailEnd type="triangle"/>
+          </a:ln>
+        </p:spPr>
+        <p:style>
+          <a:lnRef idx="1">
+            <a:schemeClr val="accent1"/>
+          </a:lnRef>
+          <a:fillRef idx="0">
+            <a:schemeClr val="accent1"/>
+          </a:fillRef>
+          <a:effectRef idx="0">
+            <a:schemeClr val="accent1"/>
+          </a:effectRef>
+          <a:fontRef idx="minor">
+            <a:schemeClr val="tx1"/>
+          </a:fontRef>
+        </p:style>
+      </p:cxnSp>
+      <p:cxnSp>
+        <p:nvCxnSpPr>
+          <p:cNvPr id="20" name="Straight Arrow Connector 19">
+            <a:extLst>
+              <a:ext uri="{FF2B5EF4-FFF2-40B4-BE49-F238E27FC236}">
+                <a16:creationId xmlns:a16="http://schemas.microsoft.com/office/drawing/2014/main" id="{E11FDBEC-07F6-EA47-8221-797E77CEF495}"/>
+              </a:ext>
+            </a:extLst>
+          </p:cNvPr>
+          <p:cNvCxnSpPr/>
+          <p:nvPr/>
+        </p:nvCxnSpPr>
+        <p:spPr>
+          <a:xfrm>
+            <a:off x="474562" y="4155311"/>
+            <a:ext cx="5335929" cy="0"/>
+          </a:xfrm>
+          <a:prstGeom prst="straightConnector1">
+            <a:avLst/>
+          </a:prstGeom>
+          <a:ln w="76200">
+            <a:solidFill>
+              <a:schemeClr val="bg1">
+                <a:lumMod val="65000"/>
+              </a:schemeClr>
+            </a:solidFill>
+            <a:tailEnd type="triangle"/>
+          </a:ln>
+        </p:spPr>
+        <p:style>
+          <a:lnRef idx="1">
+            <a:schemeClr val="accent1"/>
+          </a:lnRef>
+          <a:fillRef idx="0">
+            <a:schemeClr val="accent1"/>
+          </a:fillRef>
+          <a:effectRef idx="0">
+            <a:schemeClr val="accent1"/>
+          </a:effectRef>
+          <a:fontRef idx="minor">
+            <a:schemeClr val="tx1"/>
+          </a:fontRef>
+        </p:style>
+      </p:cxnSp>
+      <p:cxnSp>
+        <p:nvCxnSpPr>
+          <p:cNvPr id="50" name="Straight Arrow Connector 49">
+            <a:extLst>
+              <a:ext uri="{FF2B5EF4-FFF2-40B4-BE49-F238E27FC236}">
+                <a16:creationId xmlns:a16="http://schemas.microsoft.com/office/drawing/2014/main" id="{550916E2-710D-9B4F-94D2-3B335DB04B0A}"/>
+              </a:ext>
+            </a:extLst>
+          </p:cNvPr>
+          <p:cNvCxnSpPr>
+            <a:cxnSpLocks/>
+          </p:cNvCxnSpPr>
+          <p:nvPr/>
+        </p:nvCxnSpPr>
+        <p:spPr>
+          <a:xfrm flipV="1">
+            <a:off x="532435" y="2523281"/>
+            <a:ext cx="2407535" cy="1493134"/>
+          </a:xfrm>
+          <a:prstGeom prst="straightConnector1">
+            <a:avLst/>
+          </a:prstGeom>
+          <a:ln w="76200">
+            <a:solidFill>
+              <a:srgbClr val="FF0000"/>
+            </a:solidFill>
+            <a:tailEnd type="triangle"/>
+          </a:ln>
+        </p:spPr>
+        <p:style>
+          <a:lnRef idx="1">
+            <a:schemeClr val="accent1"/>
+          </a:lnRef>
+          <a:fillRef idx="0">
+            <a:schemeClr val="accent1"/>
+          </a:fillRef>
+          <a:effectRef idx="0">
+            <a:schemeClr val="accent1"/>
+          </a:effectRef>
+          <a:fontRef idx="minor">
+            <a:schemeClr val="tx1"/>
+          </a:fontRef>
+        </p:style>
+      </p:cxnSp>
+    </p:spTree>
+    <p:extLst>
+      <p:ext uri="{BB962C8B-B14F-4D97-AF65-F5344CB8AC3E}">
+        <p14:creationId xmlns:p14="http://schemas.microsoft.com/office/powerpoint/2010/main" val="1080228819"/>
+      </p:ext>
+    </p:extLst>
+  </p:cSld>
+  <p:clrMapOvr>
+    <a:masterClrMapping/>
+  </p:clrMapOvr>
+  <p:timing>
+    <p:tnLst>
+      <p:par>
+        <p:cTn id="1" dur="indefinite" restart="never" nodeType="tmRoot">
+          <p:childTnLst>
+            <p:seq concurrent="1" nextAc="seek">
+              <p:cTn id="2" dur="indefinite" nodeType="mainSeq">
+                <p:childTnLst>
+                  <p:par>
+                    <p:cTn id="3" fill="hold">
+                      <p:stCondLst>
+                        <p:cond delay="indefinite"/>
+                      </p:stCondLst>
+                      <p:childTnLst>
+                        <p:par>
+                          <p:cTn id="4" fill="hold">
+                            <p:stCondLst>
+                              <p:cond delay="0"/>
+                            </p:stCondLst>
+                            <p:childTnLst>
+                              <p:par>
+                                <p:cTn id="5" presetID="1" presetClass="entr" presetSubtype="0" fill="hold" grpId="0" nodeType="clickEffect">
+                                  <p:stCondLst>
+                                    <p:cond delay="0"/>
+                                  </p:stCondLst>
+                                  <p:childTnLst>
+                                    <p:set>
+                                      <p:cBhvr>
+                                        <p:cTn id="6" dur="1" fill="hold">
+                                          <p:stCondLst>
+                                            <p:cond delay="0"/>
+                                          </p:stCondLst>
+                                        </p:cTn>
+                                        <p:tgtEl>
+                                          <p:spTgt spid="16"/>
+                                        </p:tgtEl>
+                                        <p:attrNameLst>
+                                          <p:attrName>style.visibility</p:attrName>
+                                        </p:attrNameLst>
+                                      </p:cBhvr>
+                                      <p:to>
+                                        <p:strVal val="visible"/>
+                                      </p:to>
+                                    </p:set>
+                                  </p:childTnLst>
+                                </p:cTn>
+                              </p:par>
+                            </p:childTnLst>
+                          </p:cTn>
+                        </p:par>
+                      </p:childTnLst>
+                    </p:cTn>
+                  </p:par>
+                  <p:par>
+                    <p:cTn id="7" fill="hold">
+                      <p:stCondLst>
+                        <p:cond delay="indefinite"/>
+                      </p:stCondLst>
+                      <p:childTnLst>
+                        <p:par>
+                          <p:cTn id="8" fill="hold">
+                            <p:stCondLst>
+                              <p:cond delay="0"/>
+                            </p:stCondLst>
+                            <p:childTnLst>
+                              <p:par>
+                                <p:cTn id="9" presetID="1" presetClass="entr" presetSubtype="0" fill="hold" grpId="0" nodeType="clickEffect">
+                                  <p:stCondLst>
+                                    <p:cond delay="0"/>
+                                  </p:stCondLst>
+                                  <p:childTnLst>
+                                    <p:set>
+                                      <p:cBhvr>
+                                        <p:cTn id="10" dur="1" fill="hold">
+                                          <p:stCondLst>
+                                            <p:cond delay="0"/>
+                                          </p:stCondLst>
+                                        </p:cTn>
+                                        <p:tgtEl>
+                                          <p:spTgt spid="15"/>
+                                        </p:tgtEl>
+                                        <p:attrNameLst>
+                                          <p:attrName>style.visibility</p:attrName>
+                                        </p:attrNameLst>
+                                      </p:cBhvr>
+                                      <p:to>
+                                        <p:strVal val="visible"/>
+                                      </p:to>
+                                    </p:set>
+                                  </p:childTnLst>
+                                </p:cTn>
+                              </p:par>
+                              <p:par>
+                                <p:cTn id="11" presetID="1" presetClass="entr" presetSubtype="0" fill="hold" grpId="0" nodeType="withEffect">
+                                  <p:stCondLst>
+                                    <p:cond delay="0"/>
+                                  </p:stCondLst>
+                                  <p:childTnLst>
+                                    <p:set>
+                                      <p:cBhvr>
+                                        <p:cTn id="12" dur="1" fill="hold">
+                                          <p:stCondLst>
+                                            <p:cond delay="0"/>
+                                          </p:stCondLst>
+                                        </p:cTn>
+                                        <p:tgtEl>
+                                          <p:spTgt spid="13"/>
+                                        </p:tgtEl>
+                                        <p:attrNameLst>
+                                          <p:attrName>style.visibility</p:attrName>
+                                        </p:attrNameLst>
+                                      </p:cBhvr>
+                                      <p:to>
+                                        <p:strVal val="visible"/>
+                                      </p:to>
+                                    </p:set>
+                                  </p:childTnLst>
+                                </p:cTn>
+                              </p:par>
+                            </p:childTnLst>
+                          </p:cTn>
+                        </p:par>
+                      </p:childTnLst>
+                    </p:cTn>
+                  </p:par>
+                  <p:par>
+                    <p:cTn id="13" fill="hold">
+                      <p:stCondLst>
+                        <p:cond delay="indefinite"/>
+                      </p:stCondLst>
+                      <p:childTnLst>
+                        <p:par>
+                          <p:cTn id="14" fill="hold">
+                            <p:stCondLst>
+                              <p:cond delay="0"/>
+                            </p:stCondLst>
+                            <p:childTnLst>
+                              <p:par>
+                                <p:cTn id="15" presetID="1" presetClass="entr" presetSubtype="0" fill="hold" nodeType="clickEffect">
+                                  <p:stCondLst>
+                                    <p:cond delay="0"/>
+                                  </p:stCondLst>
+                                  <p:childTnLst>
+                                    <p:set>
+                                      <p:cBhvr>
+                                        <p:cTn id="16" dur="1" fill="hold">
+                                          <p:stCondLst>
+                                            <p:cond delay="0"/>
+                                          </p:stCondLst>
+                                        </p:cTn>
+                                        <p:tgtEl>
+                                          <p:spTgt spid="18"/>
+                                        </p:tgtEl>
+                                        <p:attrNameLst>
+                                          <p:attrName>style.visibility</p:attrName>
+                                        </p:attrNameLst>
+                                      </p:cBhvr>
+                                      <p:to>
+                                        <p:strVal val="visible"/>
+                                      </p:to>
+                                    </p:set>
+                                  </p:childTnLst>
+                                </p:cTn>
+                              </p:par>
+                              <p:par>
+                                <p:cTn id="17" presetID="1" presetClass="entr" presetSubtype="0" fill="hold" nodeType="withEffect">
+                                  <p:stCondLst>
+                                    <p:cond delay="0"/>
+                                  </p:stCondLst>
+                                  <p:childTnLst>
+                                    <p:set>
+                                      <p:cBhvr>
+                                        <p:cTn id="18" dur="1" fill="hold">
+                                          <p:stCondLst>
+                                            <p:cond delay="0"/>
+                                          </p:stCondLst>
+                                        </p:cTn>
+                                        <p:tgtEl>
+                                          <p:spTgt spid="20"/>
+                                        </p:tgtEl>
+                                        <p:attrNameLst>
+                                          <p:attrName>style.visibility</p:attrName>
+                                        </p:attrNameLst>
+                                      </p:cBhvr>
+                                      <p:to>
+                                        <p:strVal val="visible"/>
+                                      </p:to>
+                                    </p:set>
+                                  </p:childTnLst>
+                                </p:cTn>
+                              </p:par>
+                            </p:childTnLst>
+                          </p:cTn>
+                        </p:par>
+                      </p:childTnLst>
+                    </p:cTn>
+                  </p:par>
+                  <p:par>
+                    <p:cTn id="19" fill="hold">
+                      <p:stCondLst>
+                        <p:cond delay="indefinite"/>
+                      </p:stCondLst>
+                      <p:childTnLst>
+                        <p:par>
+                          <p:cTn id="20" fill="hold">
+                            <p:stCondLst>
+                              <p:cond delay="0"/>
+                            </p:stCondLst>
+                            <p:childTnLst>
+                              <p:par>
+                                <p:cTn id="21" presetID="9" presetClass="emph" presetSubtype="0" nodeType="clickEffect">
+                                  <p:stCondLst>
+                                    <p:cond delay="0"/>
+                                  </p:stCondLst>
+                                  <p:childTnLst>
+                                    <p:set>
+                                      <p:cBhvr>
+                                        <p:cTn id="22" dur="indefinite"/>
+                                        <p:tgtEl>
+                                          <p:spTgt spid="18"/>
+                                        </p:tgtEl>
+                                        <p:attrNameLst>
+                                          <p:attrName>style.opacity</p:attrName>
+                                        </p:attrNameLst>
+                                      </p:cBhvr>
+                                      <p:to>
+                                        <p:strVal val="0.25"/>
+                                      </p:to>
+                                    </p:set>
+                                    <p:animEffect filter="image" prLst="opacity: 0.25">
+                                      <p:cBhvr rctx="IE">
+                                        <p:cTn id="23" dur="indefinite"/>
+                                        <p:tgtEl>
+                                          <p:spTgt spid="18"/>
+                                        </p:tgtEl>
+                                      </p:cBhvr>
+                                    </p:animEffect>
+                                  </p:childTnLst>
+                                </p:cTn>
+                              </p:par>
+                              <p:par>
+                                <p:cTn id="24" presetID="9" presetClass="emph" presetSubtype="0" nodeType="withEffect">
+                                  <p:stCondLst>
+                                    <p:cond delay="0"/>
+                                  </p:stCondLst>
+                                  <p:childTnLst>
+                                    <p:set>
+                                      <p:cBhvr>
+                                        <p:cTn id="25" dur="indefinite"/>
+                                        <p:tgtEl>
+                                          <p:spTgt spid="20"/>
+                                        </p:tgtEl>
+                                        <p:attrNameLst>
+                                          <p:attrName>style.opacity</p:attrName>
+                                        </p:attrNameLst>
+                                      </p:cBhvr>
+                                      <p:to>
+                                        <p:strVal val="0.25"/>
+                                      </p:to>
+                                    </p:set>
+                                    <p:animEffect filter="image" prLst="opacity: 0.25">
+                                      <p:cBhvr rctx="IE">
+                                        <p:cTn id="26" dur="indefinite"/>
+                                        <p:tgtEl>
+                                          <p:spTgt spid="20"/>
+                                        </p:tgtEl>
+                                      </p:cBhvr>
+                                    </p:animEffect>
+                                  </p:childTnLst>
+                                </p:cTn>
+                              </p:par>
+                            </p:childTnLst>
+                          </p:cTn>
+                        </p:par>
+                      </p:childTnLst>
+                    </p:cTn>
+                  </p:par>
+                  <p:par>
+                    <p:cTn id="27" fill="hold">
+                      <p:stCondLst>
+                        <p:cond delay="indefinite"/>
+                      </p:stCondLst>
+                      <p:childTnLst>
+                        <p:par>
+                          <p:cTn id="28" fill="hold">
+                            <p:stCondLst>
+                              <p:cond delay="0"/>
+                            </p:stCondLst>
+                            <p:childTnLst>
+                              <p:par>
+                                <p:cTn id="29" presetID="1" presetClass="entr" presetSubtype="0" fill="hold" nodeType="clickEffect">
+                                  <p:stCondLst>
+                                    <p:cond delay="0"/>
+                                  </p:stCondLst>
+                                  <p:childTnLst>
+                                    <p:set>
+                                      <p:cBhvr>
+                                        <p:cTn id="30" dur="1" fill="hold">
+                                          <p:stCondLst>
+                                            <p:cond delay="0"/>
+                                          </p:stCondLst>
+                                        </p:cTn>
+                                        <p:tgtEl>
+                                          <p:spTgt spid="50"/>
+                                        </p:tgtEl>
+                                        <p:attrNameLst>
+                                          <p:attrName>style.visibility</p:attrName>
+                                        </p:attrNameLst>
+                                      </p:cBhvr>
+                                      <p:to>
+                                        <p:strVal val="visible"/>
+                                      </p:to>
+                                    </p:set>
+                                  </p:childTnLst>
+                                </p:cTn>
+                              </p:par>
+                              <p:par>
+                                <p:cTn id="31" presetID="1" presetClass="entr" presetSubtype="0" fill="hold" grpId="0" nodeType="withEffect">
+                                  <p:stCondLst>
+                                    <p:cond delay="0"/>
+                                  </p:stCondLst>
+                                  <p:childTnLst>
+                                    <p:set>
+                                      <p:cBhvr>
+                                        <p:cTn id="32" dur="1" fill="hold">
+                                          <p:stCondLst>
+                                            <p:cond delay="0"/>
+                                          </p:stCondLst>
+                                        </p:cTn>
+                                        <p:tgtEl>
+                                          <p:spTgt spid="49"/>
+                                        </p:tgtEl>
+                                        <p:attrNameLst>
+                                          <p:attrName>style.visibility</p:attrName>
+                                        </p:attrNameLst>
+                                      </p:cBhvr>
+                                      <p:to>
+                                        <p:strVal val="visible"/>
+                                      </p:to>
+                                    </p:set>
+                                  </p:childTnLst>
+                                </p:cTn>
+                              </p:par>
+                            </p:childTnLst>
+                          </p:cTn>
+                        </p:par>
+                      </p:childTnLst>
+                    </p:cTn>
+                  </p:par>
+                </p:childTnLst>
+              </p:cTn>
+              <p:prevCondLst>
+                <p:cond evt="onPrev" delay="0">
+                  <p:tgtEl>
+                    <p:sldTgt/>
+                  </p:tgtEl>
+                </p:cond>
+              </p:prevCondLst>
+              <p:nextCondLst>
+                <p:cond evt="onNext" delay="0">
+                  <p:tgtEl>
+                    <p:sldTgt/>
+                  </p:tgtEl>
+                </p:cond>
+              </p:nextCondLst>
+            </p:seq>
+          </p:childTnLst>
+        </p:cTn>
+      </p:par>
+    </p:tnLst>
+    <p:bldLst>
+      <p:bldP spid="13" grpId="0"/>
+      <p:bldP spid="15" grpId="0"/>
+      <p:bldP spid="16" grpId="0" animBg="1"/>
+      <p:bldP spid="49" grpId="0" animBg="1"/>
+    </p:bldLst>
+  </p:timing>
+</p:sld>
+</file>
+
+<file path=ppt/slides/slide11.xml><?xml version="1.0" encoding="utf-8"?>
+<p:sld xmlns:a="http://schemas.openxmlformats.org/drawingml/2006/main" xmlns:r="http://schemas.openxmlformats.org/officeDocument/2006/relationships" xmlns:p="http://schemas.openxmlformats.org/presentationml/2006/main">
+  <p:cSld>
+    <p:spTree>
+      <p:nvGrpSpPr>
+        <p:cNvPr id="1" name=""/>
+        <p:cNvGrpSpPr/>
+        <p:nvPr/>
+      </p:nvGrpSpPr>
+      <p:grpSpPr>
+        <a:xfrm>
+          <a:off x="0" y="0"/>
+          <a:ext cx="0" cy="0"/>
+          <a:chOff x="0" y="0"/>
+          <a:chExt cx="0" cy="0"/>
+        </a:xfrm>
+      </p:grpSpPr>
+      <p:sp>
+        <p:nvSpPr>
+          <p:cNvPr id="2" name="Date Placeholder 1">
+            <a:extLst>
+              <a:ext uri="{FF2B5EF4-FFF2-40B4-BE49-F238E27FC236}">
+                <a16:creationId xmlns:a16="http://schemas.microsoft.com/office/drawing/2014/main" id="{FCAE4BAB-CB66-A94D-A782-E24E723F2218}"/>
+              </a:ext>
+            </a:extLst>
+          </p:cNvPr>
+          <p:cNvSpPr>
+            <a:spLocks noGrp="1"/>
+          </p:cNvSpPr>
+          <p:nvPr>
+            <p:ph type="dt" sz="half" idx="10"/>
+          </p:nvPr>
+        </p:nvSpPr>
+        <p:spPr/>
+        <p:txBody>
+          <a:bodyPr/>
+          <a:lstStyle/>
+          <a:p>
+            <a:fld id="{6700A58B-DD98-43D0-B791-721480A02982}" type="datetime1">
+              <a:rPr lang="en-US" smtClean="0"/>
+              <a:t>1/6/21</a:t>
+            </a:fld>
+            <a:endParaRPr lang="en-US"/>
+          </a:p>
+        </p:txBody>
+      </p:sp>
+      <p:sp>
+        <p:nvSpPr>
+          <p:cNvPr id="3" name="Title 2">
+            <a:extLst>
+              <a:ext uri="{FF2B5EF4-FFF2-40B4-BE49-F238E27FC236}">
+                <a16:creationId xmlns:a16="http://schemas.microsoft.com/office/drawing/2014/main" id="{837E55FF-D0F5-F342-9741-63005B2F5BA1}"/>
+              </a:ext>
+            </a:extLst>
+          </p:cNvPr>
+          <p:cNvSpPr>
+            <a:spLocks noGrp="1"/>
+          </p:cNvSpPr>
+          <p:nvPr>
+            <p:ph type="title"/>
+          </p:nvPr>
+        </p:nvSpPr>
+        <p:spPr>
+          <a:xfrm>
+            <a:off x="0" y="249382"/>
+            <a:ext cx="9144000" cy="537700"/>
+          </a:xfrm>
+        </p:spPr>
+        <p:txBody>
+          <a:bodyPr/>
+          <a:lstStyle/>
+          <a:p>
+            <a:r>
+              <a:rPr lang="en-US" sz="2800" dirty="0"/>
+              <a:t>Intuitive Example of PCA</a:t>
+            </a:r>
+            <a:br>
+              <a:rPr lang="en-US" sz="2400" dirty="0"/>
+            </a:br>
+            <a:r>
+              <a:rPr lang="en-US" sz="2400" dirty="0"/>
+              <a:t>Where is the </a:t>
+            </a:r>
+            <a:r>
+              <a:rPr lang="en-US" sz="2400" dirty="0" err="1"/>
+              <a:t>Musee</a:t>
+            </a:r>
+            <a:r>
+              <a:rPr lang="en-US" sz="2400" dirty="0"/>
+              <a:t> </a:t>
+            </a:r>
+            <a:r>
+              <a:rPr lang="en-US" sz="2400" dirty="0" err="1"/>
+              <a:t>Jacquemart</a:t>
+            </a:r>
+            <a:r>
+              <a:rPr lang="en-US" sz="2400" dirty="0"/>
+              <a:t>-Andre in Paris?</a:t>
+            </a:r>
+            <a:br>
+              <a:rPr lang="en-US" sz="2400" dirty="0"/>
+            </a:br>
+            <a:endParaRPr lang="en-US" sz="2800" dirty="0"/>
+          </a:p>
+        </p:txBody>
+      </p:sp>
+      <p:sp>
+        <p:nvSpPr>
+          <p:cNvPr id="4" name="Footer Placeholder 3">
+            <a:extLst>
+              <a:ext uri="{FF2B5EF4-FFF2-40B4-BE49-F238E27FC236}">
+                <a16:creationId xmlns:a16="http://schemas.microsoft.com/office/drawing/2014/main" id="{5CB4E302-66AC-3246-9AFF-7DBBBF305F02}"/>
+              </a:ext>
+            </a:extLst>
+          </p:cNvPr>
+          <p:cNvSpPr>
+            <a:spLocks noGrp="1"/>
+          </p:cNvSpPr>
+          <p:nvPr>
+            <p:ph type="ftr" sz="quarter" idx="3"/>
+          </p:nvPr>
+        </p:nvSpPr>
+        <p:spPr/>
+        <p:txBody>
+          <a:bodyPr/>
+          <a:lstStyle/>
+          <a:p>
+            <a:r>
+              <a:rPr lang="en-US"/>
+              <a:t>Kwartler</a:t>
+            </a:r>
+            <a:endParaRPr lang="en-US" dirty="0"/>
+          </a:p>
+        </p:txBody>
+      </p:sp>
+      <p:sp>
+        <p:nvSpPr>
+          <p:cNvPr id="5" name="Slide Number Placeholder 4">
+            <a:extLst>
+              <a:ext uri="{FF2B5EF4-FFF2-40B4-BE49-F238E27FC236}">
+                <a16:creationId xmlns:a16="http://schemas.microsoft.com/office/drawing/2014/main" id="{A048682B-49BD-9F4B-8CFB-B46CAAD920C4}"/>
+              </a:ext>
+            </a:extLst>
+          </p:cNvPr>
+          <p:cNvSpPr>
+            <a:spLocks noGrp="1"/>
+          </p:cNvSpPr>
+          <p:nvPr>
+            <p:ph type="sldNum" sz="quarter" idx="4"/>
+          </p:nvPr>
+        </p:nvSpPr>
+        <p:spPr/>
+        <p:txBody>
+          <a:bodyPr/>
+          <a:lstStyle/>
+          <a:p>
+            <a:fld id="{37290FF7-652B-4475-AEAB-8B1A5D23AE09}" type="slidenum">
+              <a:rPr lang="en-US" smtClean="0"/>
+              <a:pPr/>
+              <a:t>11</a:t>
+            </a:fld>
+            <a:endParaRPr lang="en-US" dirty="0"/>
+          </a:p>
+        </p:txBody>
+      </p:sp>
+      <p:pic>
+        <p:nvPicPr>
+          <p:cNvPr id="46" name="Picture 45" descr="A close up of a map&#10;&#10;Description automatically generated">
+            <a:extLst>
+              <a:ext uri="{FF2B5EF4-FFF2-40B4-BE49-F238E27FC236}">
+                <a16:creationId xmlns:a16="http://schemas.microsoft.com/office/drawing/2014/main" id="{373FF655-7830-0A45-A689-8D0C9BB68B0C}"/>
+              </a:ext>
+            </a:extLst>
+          </p:cNvPr>
+          <p:cNvPicPr>
+            <a:picLocks noChangeAspect="1"/>
+          </p:cNvPicPr>
+          <p:nvPr/>
+        </p:nvPicPr>
+        <p:blipFill>
+          <a:blip r:embed="rId2">
+            <a:extLst>
+              <a:ext uri="{28A0092B-C50C-407E-A947-70E740481C1C}">
+                <a14:useLocalDpi xmlns:a14="http://schemas.microsoft.com/office/drawing/2010/main" val="0"/>
+              </a:ext>
+            </a:extLst>
+          </a:blip>
+          <a:srcRect l="15971" t="1964"/>
+          <a:stretch>
+            <a:fillRect/>
+          </a:stretch>
+        </p:blipFill>
+        <p:spPr>
+          <a:xfrm rot="20151040">
+            <a:off x="-233379" y="411648"/>
+            <a:ext cx="6400800" cy="5079085"/>
+          </a:xfrm>
+          <a:custGeom>
+            <a:avLst/>
+            <a:gdLst>
+              <a:gd name="connsiteX0" fmla="*/ 1467971 w 7683592"/>
+              <a:gd name="connsiteY0" fmla="*/ 0 h 6096986"/>
+              <a:gd name="connsiteX1" fmla="*/ 7683592 w 7683592"/>
+              <a:gd name="connsiteY1" fmla="*/ 2786807 h 6096986"/>
+              <a:gd name="connsiteX2" fmla="*/ 7683592 w 7683592"/>
+              <a:gd name="connsiteY2" fmla="*/ 3253449 h 6096986"/>
+              <a:gd name="connsiteX3" fmla="*/ 6408677 w 7683592"/>
+              <a:gd name="connsiteY3" fmla="*/ 6096986 h 6096986"/>
+              <a:gd name="connsiteX4" fmla="*/ 6296035 w 7683592"/>
+              <a:gd name="connsiteY4" fmla="*/ 6096986 h 6096986"/>
+              <a:gd name="connsiteX5" fmla="*/ 0 w 7683592"/>
+              <a:gd name="connsiteY5" fmla="*/ 3274125 h 6096986"/>
+              <a:gd name="connsiteX6" fmla="*/ 1467971 w 7683592"/>
+              <a:gd name="connsiteY6" fmla="*/ 0 h 6096986"/>
+            </a:gdLst>
+            <a:ahLst/>
+            <a:cxnLst>
+              <a:cxn ang="0">
+                <a:pos x="connsiteX0" y="connsiteY0"/>
+              </a:cxn>
+              <a:cxn ang="0">
+                <a:pos x="connsiteX1" y="connsiteY1"/>
+              </a:cxn>
+              <a:cxn ang="0">
+                <a:pos x="connsiteX2" y="connsiteY2"/>
+              </a:cxn>
+              <a:cxn ang="0">
+                <a:pos x="connsiteX3" y="connsiteY3"/>
+              </a:cxn>
+              <a:cxn ang="0">
+                <a:pos x="connsiteX4" y="connsiteY4"/>
+              </a:cxn>
+              <a:cxn ang="0">
+                <a:pos x="connsiteX5" y="connsiteY5"/>
+              </a:cxn>
+              <a:cxn ang="0">
+                <a:pos x="connsiteX6" y="connsiteY6"/>
+              </a:cxn>
+            </a:cxnLst>
+            <a:rect l="l" t="t" r="r" b="b"/>
+            <a:pathLst>
+              <a:path w="7683592" h="6096986">
+                <a:moveTo>
+                  <a:pt x="1467971" y="0"/>
+                </a:moveTo>
+                <a:lnTo>
+                  <a:pt x="7683592" y="2786807"/>
+                </a:lnTo>
+                <a:lnTo>
+                  <a:pt x="7683592" y="3253449"/>
+                </a:lnTo>
+                <a:lnTo>
+                  <a:pt x="6408677" y="6096986"/>
+                </a:lnTo>
+                <a:lnTo>
+                  <a:pt x="6296035" y="6096986"/>
+                </a:lnTo>
+                <a:lnTo>
+                  <a:pt x="0" y="3274125"/>
+                </a:lnTo>
+                <a:lnTo>
+                  <a:pt x="1467971" y="0"/>
+                </a:lnTo>
+                <a:close/>
+              </a:path>
+            </a:pathLst>
+          </a:custGeom>
+        </p:spPr>
+      </p:pic>
+      <p:pic>
+        <p:nvPicPr>
+          <p:cNvPr id="44" name="Picture 43" descr="A close up of a map&#10;&#10;Description automatically generated">
+            <a:extLst>
+              <a:ext uri="{FF2B5EF4-FFF2-40B4-BE49-F238E27FC236}">
+                <a16:creationId xmlns:a16="http://schemas.microsoft.com/office/drawing/2014/main" id="{88E77FC7-DF48-E04D-A897-DC2C0E3EB01A}"/>
+              </a:ext>
+            </a:extLst>
+          </p:cNvPr>
+          <p:cNvPicPr>
+            <a:picLocks noChangeAspect="1"/>
+          </p:cNvPicPr>
+          <p:nvPr/>
+        </p:nvPicPr>
+        <p:blipFill>
+          <a:blip r:embed="rId2">
+            <a:extLst>
+              <a:ext uri="{28A0092B-C50C-407E-A947-70E740481C1C}">
+                <a14:useLocalDpi xmlns:a14="http://schemas.microsoft.com/office/drawing/2010/main" val="0"/>
+              </a:ext>
+            </a:extLst>
+          </a:blip>
+          <a:srcRect l="100000" t="46774" r="-1905" b="45723"/>
+          <a:stretch>
+            <a:fillRect/>
+          </a:stretch>
+        </p:blipFill>
+        <p:spPr>
+          <a:xfrm rot="20151040">
+            <a:off x="8844152" y="1217161"/>
+            <a:ext cx="174203" cy="466642"/>
+          </a:xfrm>
+          <a:custGeom>
+            <a:avLst/>
+            <a:gdLst>
+              <a:gd name="connsiteX0" fmla="*/ 0 w 174203"/>
+              <a:gd name="connsiteY0" fmla="*/ 0 h 466642"/>
+              <a:gd name="connsiteX1" fmla="*/ 174203 w 174203"/>
+              <a:gd name="connsiteY1" fmla="*/ 78105 h 466642"/>
+              <a:gd name="connsiteX2" fmla="*/ 0 w 174203"/>
+              <a:gd name="connsiteY2" fmla="*/ 466642 h 466642"/>
+              <a:gd name="connsiteX3" fmla="*/ 0 w 174203"/>
+              <a:gd name="connsiteY3" fmla="*/ 0 h 466642"/>
+            </a:gdLst>
+            <a:ahLst/>
+            <a:cxnLst>
+              <a:cxn ang="0">
+                <a:pos x="connsiteX0" y="connsiteY0"/>
+              </a:cxn>
+              <a:cxn ang="0">
+                <a:pos x="connsiteX1" y="connsiteY1"/>
+              </a:cxn>
+              <a:cxn ang="0">
+                <a:pos x="connsiteX2" y="connsiteY2"/>
+              </a:cxn>
+              <a:cxn ang="0">
+                <a:pos x="connsiteX3" y="connsiteY3"/>
+              </a:cxn>
+            </a:cxnLst>
+            <a:rect l="l" t="t" r="r" b="b"/>
+            <a:pathLst>
+              <a:path w="174203" h="466642">
+                <a:moveTo>
+                  <a:pt x="0" y="0"/>
+                </a:moveTo>
+                <a:lnTo>
+                  <a:pt x="174203" y="78105"/>
+                </a:lnTo>
+                <a:lnTo>
+                  <a:pt x="0" y="466642"/>
+                </a:lnTo>
+                <a:lnTo>
+                  <a:pt x="0" y="0"/>
+                </a:lnTo>
+                <a:close/>
+              </a:path>
+            </a:pathLst>
+          </a:custGeom>
+        </p:spPr>
+      </p:pic>
+      <p:pic>
+        <p:nvPicPr>
+          <p:cNvPr id="42" name="Picture 41" descr="A close up of a map&#10;&#10;Description automatically generated">
+            <a:extLst>
+              <a:ext uri="{FF2B5EF4-FFF2-40B4-BE49-F238E27FC236}">
+                <a16:creationId xmlns:a16="http://schemas.microsoft.com/office/drawing/2014/main" id="{E12ACE8A-375D-494B-A08A-FBD5AA354376}"/>
+              </a:ext>
+            </a:extLst>
+          </p:cNvPr>
+          <p:cNvPicPr>
+            <a:picLocks noChangeAspect="1"/>
+          </p:cNvPicPr>
+          <p:nvPr/>
+        </p:nvPicPr>
+        <p:blipFill>
+          <a:blip r:embed="rId2">
+            <a:extLst>
+              <a:ext uri="{28A0092B-C50C-407E-A947-70E740481C1C}">
+                <a14:useLocalDpi xmlns:a14="http://schemas.microsoft.com/office/drawing/2010/main" val="0"/>
+              </a:ext>
+            </a:extLst>
+          </a:blip>
+          <a:srcRect l="84825" t="100000" r="13943" b="-676"/>
+          <a:stretch>
+            <a:fillRect/>
+          </a:stretch>
+        </p:blipFill>
+        <p:spPr>
+          <a:xfrm rot="20151040">
+            <a:off x="8848119" y="4836486"/>
+            <a:ext cx="112642" cy="42051"/>
+          </a:xfrm>
+          <a:custGeom>
+            <a:avLst/>
+            <a:gdLst>
+              <a:gd name="connsiteX0" fmla="*/ 112642 w 112642"/>
+              <a:gd name="connsiteY0" fmla="*/ 0 h 42051"/>
+              <a:gd name="connsiteX1" fmla="*/ 93789 w 112642"/>
+              <a:gd name="connsiteY1" fmla="*/ 42051 h 42051"/>
+              <a:gd name="connsiteX2" fmla="*/ 0 w 112642"/>
+              <a:gd name="connsiteY2" fmla="*/ 0 h 42051"/>
+              <a:gd name="connsiteX3" fmla="*/ 112642 w 112642"/>
+              <a:gd name="connsiteY3" fmla="*/ 0 h 42051"/>
+            </a:gdLst>
+            <a:ahLst/>
+            <a:cxnLst>
+              <a:cxn ang="0">
+                <a:pos x="connsiteX0" y="connsiteY0"/>
+              </a:cxn>
+              <a:cxn ang="0">
+                <a:pos x="connsiteX1" y="connsiteY1"/>
+              </a:cxn>
+              <a:cxn ang="0">
+                <a:pos x="connsiteX2" y="connsiteY2"/>
+              </a:cxn>
+              <a:cxn ang="0">
+                <a:pos x="connsiteX3" y="connsiteY3"/>
+              </a:cxn>
+            </a:cxnLst>
+            <a:rect l="l" t="t" r="r" b="b"/>
+            <a:pathLst>
+              <a:path w="112642" h="42051">
+                <a:moveTo>
+                  <a:pt x="112642" y="0"/>
+                </a:moveTo>
+                <a:lnTo>
+                  <a:pt x="93789" y="42051"/>
+                </a:lnTo>
+                <a:lnTo>
+                  <a:pt x="0" y="0"/>
+                </a:lnTo>
+                <a:lnTo>
+                  <a:pt x="112642" y="0"/>
+                </a:lnTo>
+                <a:close/>
+              </a:path>
+            </a:pathLst>
+          </a:custGeom>
+        </p:spPr>
+      </p:pic>
+      <p:sp>
+        <p:nvSpPr>
+          <p:cNvPr id="13" name="Rectangle 12">
+            <a:extLst>
+              <a:ext uri="{FF2B5EF4-FFF2-40B4-BE49-F238E27FC236}">
+                <a16:creationId xmlns:a16="http://schemas.microsoft.com/office/drawing/2014/main" id="{F8C338B6-59CD-954D-98C7-351E61B71E2A}"/>
+              </a:ext>
+            </a:extLst>
+          </p:cNvPr>
+          <p:cNvSpPr/>
+          <p:nvPr/>
+        </p:nvSpPr>
+        <p:spPr>
+          <a:xfrm>
+            <a:off x="6059348" y="1797896"/>
+            <a:ext cx="1799863" cy="646331"/>
+          </a:xfrm>
+          <a:prstGeom prst="rect">
+            <a:avLst/>
+          </a:prstGeom>
+        </p:spPr>
+        <p:txBody>
+          <a:bodyPr wrap="square">
+            <a:spAutoFit/>
+          </a:bodyPr>
+          <a:lstStyle/>
+          <a:p>
+            <a:pPr fontAlgn="base"/>
+            <a:r>
+              <a:rPr lang="en-US" dirty="0">
+                <a:latin typeface="inherit"/>
+              </a:rPr>
+              <a:t>LAT: 48.874911</a:t>
+            </a:r>
+            <a:endParaRPr lang="en-US" dirty="0">
+              <a:latin typeface="proxima-nova"/>
+            </a:endParaRPr>
+          </a:p>
+          <a:p>
+            <a:pPr fontAlgn="base"/>
+            <a:r>
+              <a:rPr lang="en-US" cap="all" dirty="0">
+                <a:latin typeface="proxima-nova"/>
+              </a:rPr>
+              <a:t>LON</a:t>
+            </a:r>
+            <a:r>
+              <a:rPr lang="en-US" cap="all" dirty="0">
+                <a:latin typeface="inherit"/>
+              </a:rPr>
+              <a:t>:</a:t>
+            </a:r>
+            <a:r>
+              <a:rPr lang="en-US" dirty="0">
+                <a:latin typeface="inherit"/>
+              </a:rPr>
+              <a:t>2.310612</a:t>
+            </a:r>
+            <a:endParaRPr lang="en-US" i="0" dirty="0">
+              <a:effectLst/>
+              <a:latin typeface="proxima-nova"/>
+            </a:endParaRPr>
+          </a:p>
+        </p:txBody>
+      </p:sp>
+      <p:sp>
+        <p:nvSpPr>
+          <p:cNvPr id="15" name="TextBox 14">
+            <a:extLst>
+              <a:ext uri="{FF2B5EF4-FFF2-40B4-BE49-F238E27FC236}">
+                <a16:creationId xmlns:a16="http://schemas.microsoft.com/office/drawing/2014/main" id="{AF155576-EB51-4441-AC2A-FAED69B3571C}"/>
+              </a:ext>
+            </a:extLst>
+          </p:cNvPr>
+          <p:cNvSpPr txBox="1"/>
+          <p:nvPr/>
+        </p:nvSpPr>
+        <p:spPr>
+          <a:xfrm>
+            <a:off x="6004999" y="1458410"/>
+            <a:ext cx="3202928" cy="369332"/>
+          </a:xfrm>
+          <a:prstGeom prst="rect">
+            <a:avLst/>
+          </a:prstGeom>
+          <a:noFill/>
+        </p:spPr>
+        <p:txBody>
+          <a:bodyPr wrap="none" rtlCol="0">
+            <a:spAutoFit/>
+          </a:bodyPr>
+          <a:lstStyle/>
+          <a:p>
+            <a:r>
+              <a:rPr lang="en-US" b="1" dirty="0"/>
+              <a:t>Exact Answer has 2 data points.</a:t>
+            </a:r>
+          </a:p>
+        </p:txBody>
+      </p:sp>
+      <p:sp>
+        <p:nvSpPr>
+          <p:cNvPr id="16" name="Oval 15">
+            <a:extLst>
+              <a:ext uri="{FF2B5EF4-FFF2-40B4-BE49-F238E27FC236}">
+                <a16:creationId xmlns:a16="http://schemas.microsoft.com/office/drawing/2014/main" id="{59EEA57E-35E8-134E-AC0E-6AE8328C317B}"/>
+              </a:ext>
+            </a:extLst>
+          </p:cNvPr>
+          <p:cNvSpPr/>
+          <p:nvPr/>
+        </p:nvSpPr>
+        <p:spPr>
+          <a:xfrm>
+            <a:off x="2569580" y="2129742"/>
+            <a:ext cx="694481" cy="694481"/>
+          </a:xfrm>
+          <a:prstGeom prst="ellipse">
+            <a:avLst/>
+          </a:prstGeom>
+          <a:noFill/>
+          <a:ln w="76200">
+            <a:solidFill>
+              <a:srgbClr val="FF0000"/>
+            </a:solidFill>
+          </a:ln>
+        </p:spPr>
+        <p:style>
+          <a:lnRef idx="2">
+            <a:schemeClr val="accent1">
+              <a:shade val="50000"/>
+            </a:schemeClr>
+          </a:lnRef>
+          <a:fillRef idx="1">
+            <a:schemeClr val="accent1"/>
+          </a:fillRef>
+          <a:effectRef idx="0">
+            <a:schemeClr val="accent1"/>
+          </a:effectRef>
+          <a:fontRef idx="minor">
+            <a:schemeClr val="lt1"/>
+          </a:fontRef>
+        </p:style>
+        <p:txBody>
+          <a:bodyPr rtlCol="0" anchor="ctr"/>
+          <a:lstStyle/>
+          <a:p>
+            <a:pPr algn="ctr"/>
+            <a:endParaRPr lang="en-US"/>
+          </a:p>
+        </p:txBody>
+      </p:sp>
+      <p:cxnSp>
+        <p:nvCxnSpPr>
+          <p:cNvPr id="47" name="Straight Connector 46">
+            <a:extLst>
+              <a:ext uri="{FF2B5EF4-FFF2-40B4-BE49-F238E27FC236}">
+                <a16:creationId xmlns:a16="http://schemas.microsoft.com/office/drawing/2014/main" id="{687C66A0-C715-514A-B936-24F750877E34}"/>
+              </a:ext>
+            </a:extLst>
+          </p:cNvPr>
+          <p:cNvCxnSpPr/>
+          <p:nvPr/>
+        </p:nvCxnSpPr>
+        <p:spPr>
+          <a:xfrm>
+            <a:off x="6798363" y="6549885"/>
+            <a:ext cx="0" cy="182880"/>
+          </a:xfrm>
+          <a:prstGeom prst="line">
+            <a:avLst/>
+          </a:prstGeom>
+          <a:ln>
+            <a:solidFill>
+              <a:schemeClr val="bg1">
+                <a:lumMod val="85000"/>
+              </a:schemeClr>
+            </a:solidFill>
+          </a:ln>
+        </p:spPr>
+        <p:style>
+          <a:lnRef idx="1">
+            <a:schemeClr val="accent1"/>
+          </a:lnRef>
+          <a:fillRef idx="0">
+            <a:schemeClr val="accent1"/>
+          </a:fillRef>
+          <a:effectRef idx="0">
+            <a:schemeClr val="accent1"/>
+          </a:effectRef>
+          <a:fontRef idx="minor">
+            <a:schemeClr val="tx1"/>
+          </a:fontRef>
+        </p:style>
+      </p:cxnSp>
+      <p:cxnSp>
+        <p:nvCxnSpPr>
+          <p:cNvPr id="48" name="Straight Connector 47">
+            <a:extLst>
+              <a:ext uri="{FF2B5EF4-FFF2-40B4-BE49-F238E27FC236}">
+                <a16:creationId xmlns:a16="http://schemas.microsoft.com/office/drawing/2014/main" id="{5C1803B2-C478-8D46-8DFB-084D6807041E}"/>
+              </a:ext>
+            </a:extLst>
+          </p:cNvPr>
+          <p:cNvCxnSpPr/>
+          <p:nvPr/>
+        </p:nvCxnSpPr>
+        <p:spPr>
+          <a:xfrm>
+            <a:off x="7076661" y="4664763"/>
+            <a:ext cx="182880" cy="0"/>
+          </a:xfrm>
+          <a:prstGeom prst="line">
+            <a:avLst/>
+          </a:prstGeom>
+          <a:ln>
+            <a:solidFill>
+              <a:schemeClr val="bg1">
+                <a:lumMod val="85000"/>
+              </a:schemeClr>
+            </a:solidFill>
+          </a:ln>
+        </p:spPr>
+        <p:style>
+          <a:lnRef idx="1">
+            <a:schemeClr val="accent1"/>
+          </a:lnRef>
+          <a:fillRef idx="0">
+            <a:schemeClr val="accent1"/>
+          </a:fillRef>
+          <a:effectRef idx="0">
+            <a:schemeClr val="accent1"/>
+          </a:effectRef>
+          <a:fontRef idx="minor">
+            <a:schemeClr val="tx1"/>
+          </a:fontRef>
+        </p:style>
+      </p:cxnSp>
+      <p:sp>
+        <p:nvSpPr>
+          <p:cNvPr id="49" name="TextBox 48">
+            <a:extLst>
+              <a:ext uri="{FF2B5EF4-FFF2-40B4-BE49-F238E27FC236}">
+                <a16:creationId xmlns:a16="http://schemas.microsoft.com/office/drawing/2014/main" id="{1CFDC6DD-C270-7542-B818-A665B5C72A11}"/>
+              </a:ext>
+            </a:extLst>
+          </p:cNvPr>
+          <p:cNvSpPr txBox="1"/>
+          <p:nvPr/>
+        </p:nvSpPr>
+        <p:spPr>
+          <a:xfrm>
+            <a:off x="6004999" y="2606233"/>
+            <a:ext cx="3139001" cy="923330"/>
+          </a:xfrm>
+          <a:prstGeom prst="rect">
+            <a:avLst/>
+          </a:prstGeom>
+          <a:noFill/>
+          <a:ln>
+            <a:noFill/>
+          </a:ln>
+        </p:spPr>
+        <p:txBody>
+          <a:bodyPr wrap="square" rtlCol="0">
+            <a:spAutoFit/>
+          </a:bodyPr>
+          <a:lstStyle/>
+          <a:p>
+            <a:r>
+              <a:rPr lang="en-US" b="1" dirty="0"/>
+              <a:t>Quick Answer has 1 data point.</a:t>
+            </a:r>
+          </a:p>
+          <a:p>
+            <a:r>
+              <a:rPr lang="en-US" b="1" dirty="0">
+                <a:solidFill>
+                  <a:schemeClr val="accent1"/>
+                </a:solidFill>
+              </a:rPr>
+              <a:t>Its about 1.5k from Arc de Triumph</a:t>
+            </a:r>
+          </a:p>
+        </p:txBody>
+      </p:sp>
+      <p:cxnSp>
+        <p:nvCxnSpPr>
+          <p:cNvPr id="18" name="Straight Arrow Connector 17">
+            <a:extLst>
+              <a:ext uri="{FF2B5EF4-FFF2-40B4-BE49-F238E27FC236}">
+                <a16:creationId xmlns:a16="http://schemas.microsoft.com/office/drawing/2014/main" id="{AF7DA3E5-70CC-8742-B557-7B1793E5238B}"/>
+              </a:ext>
+            </a:extLst>
+          </p:cNvPr>
+          <p:cNvCxnSpPr>
+            <a:cxnSpLocks/>
+          </p:cNvCxnSpPr>
+          <p:nvPr/>
+        </p:nvCxnSpPr>
+        <p:spPr>
+          <a:xfrm flipV="1">
+            <a:off x="462986" y="1412115"/>
+            <a:ext cx="0" cy="2430682"/>
+          </a:xfrm>
+          <a:prstGeom prst="straightConnector1">
+            <a:avLst/>
+          </a:prstGeom>
+          <a:ln w="76200">
+            <a:solidFill>
+              <a:schemeClr val="bg1">
+                <a:lumMod val="65000"/>
+              </a:schemeClr>
+            </a:solidFill>
+            <a:tailEnd type="triangle"/>
+          </a:ln>
+        </p:spPr>
+        <p:style>
+          <a:lnRef idx="1">
+            <a:schemeClr val="accent1"/>
+          </a:lnRef>
+          <a:fillRef idx="0">
+            <a:schemeClr val="accent1"/>
+          </a:fillRef>
+          <a:effectRef idx="0">
+            <a:schemeClr val="accent1"/>
+          </a:effectRef>
+          <a:fontRef idx="minor">
+            <a:schemeClr val="tx1"/>
+          </a:fontRef>
+        </p:style>
+      </p:cxnSp>
+      <p:cxnSp>
+        <p:nvCxnSpPr>
+          <p:cNvPr id="20" name="Straight Arrow Connector 19">
+            <a:extLst>
+              <a:ext uri="{FF2B5EF4-FFF2-40B4-BE49-F238E27FC236}">
+                <a16:creationId xmlns:a16="http://schemas.microsoft.com/office/drawing/2014/main" id="{E11FDBEC-07F6-EA47-8221-797E77CEF495}"/>
+              </a:ext>
+            </a:extLst>
+          </p:cNvPr>
+          <p:cNvCxnSpPr/>
+          <p:nvPr/>
+        </p:nvCxnSpPr>
+        <p:spPr>
+          <a:xfrm>
+            <a:off x="474562" y="4155311"/>
+            <a:ext cx="5335929" cy="0"/>
+          </a:xfrm>
+          <a:prstGeom prst="straightConnector1">
+            <a:avLst/>
+          </a:prstGeom>
+          <a:ln w="76200">
+            <a:solidFill>
+              <a:schemeClr val="bg1">
+                <a:lumMod val="65000"/>
+              </a:schemeClr>
+            </a:solidFill>
+            <a:tailEnd type="triangle"/>
+          </a:ln>
+        </p:spPr>
+        <p:style>
+          <a:lnRef idx="1">
+            <a:schemeClr val="accent1"/>
+          </a:lnRef>
+          <a:fillRef idx="0">
+            <a:schemeClr val="accent1"/>
+          </a:fillRef>
+          <a:effectRef idx="0">
+            <a:schemeClr val="accent1"/>
+          </a:effectRef>
+          <a:fontRef idx="minor">
+            <a:schemeClr val="tx1"/>
+          </a:fontRef>
+        </p:style>
+      </p:cxnSp>
+      <p:cxnSp>
+        <p:nvCxnSpPr>
+          <p:cNvPr id="50" name="Straight Arrow Connector 49">
+            <a:extLst>
+              <a:ext uri="{FF2B5EF4-FFF2-40B4-BE49-F238E27FC236}">
+                <a16:creationId xmlns:a16="http://schemas.microsoft.com/office/drawing/2014/main" id="{550916E2-710D-9B4F-94D2-3B335DB04B0A}"/>
+              </a:ext>
+            </a:extLst>
+          </p:cNvPr>
+          <p:cNvCxnSpPr>
+            <a:cxnSpLocks/>
+          </p:cNvCxnSpPr>
+          <p:nvPr/>
+        </p:nvCxnSpPr>
+        <p:spPr>
+          <a:xfrm flipV="1">
+            <a:off x="532435" y="2523281"/>
+            <a:ext cx="2407535" cy="1493134"/>
+          </a:xfrm>
+          <a:prstGeom prst="straightConnector1">
+            <a:avLst/>
+          </a:prstGeom>
+          <a:ln w="76200">
+            <a:solidFill>
+              <a:schemeClr val="bg2">
+                <a:lumMod val="75000"/>
+              </a:schemeClr>
+            </a:solidFill>
+            <a:tailEnd type="triangle"/>
+          </a:ln>
+        </p:spPr>
+        <p:style>
+          <a:lnRef idx="1">
+            <a:schemeClr val="accent1"/>
+          </a:lnRef>
+          <a:fillRef idx="0">
+            <a:schemeClr val="accent1"/>
+          </a:fillRef>
+          <a:effectRef idx="0">
+            <a:schemeClr val="accent1"/>
+          </a:effectRef>
+          <a:fontRef idx="minor">
+            <a:schemeClr val="tx1"/>
+          </a:fontRef>
+        </p:style>
+      </p:cxnSp>
+      <p:sp>
+        <p:nvSpPr>
+          <p:cNvPr id="19" name="Rectangle 18">
+            <a:extLst>
+              <a:ext uri="{FF2B5EF4-FFF2-40B4-BE49-F238E27FC236}">
+                <a16:creationId xmlns:a16="http://schemas.microsoft.com/office/drawing/2014/main" id="{6B61D110-014C-FD43-99BC-BD458468192D}"/>
+              </a:ext>
+            </a:extLst>
+          </p:cNvPr>
+          <p:cNvSpPr/>
+          <p:nvPr/>
+        </p:nvSpPr>
+        <p:spPr>
+          <a:xfrm>
+            <a:off x="1657350" y="5326350"/>
+            <a:ext cx="1799863" cy="646331"/>
+          </a:xfrm>
+          <a:prstGeom prst="rect">
+            <a:avLst/>
+          </a:prstGeom>
+        </p:spPr>
+        <p:txBody>
+          <a:bodyPr wrap="square">
+            <a:spAutoFit/>
+          </a:bodyPr>
+          <a:lstStyle/>
+          <a:p>
+            <a:pPr fontAlgn="base"/>
+            <a:r>
+              <a:rPr lang="en-US" b="1" dirty="0">
+                <a:solidFill>
+                  <a:schemeClr val="accent1"/>
+                </a:solidFill>
+                <a:latin typeface="inherit"/>
+              </a:rPr>
+              <a:t>LAT: 48.874911</a:t>
+            </a:r>
+            <a:endParaRPr lang="en-US" b="1" dirty="0">
+              <a:solidFill>
+                <a:schemeClr val="accent1"/>
+              </a:solidFill>
+              <a:latin typeface="proxima-nova"/>
+            </a:endParaRPr>
+          </a:p>
+          <a:p>
+            <a:pPr fontAlgn="base"/>
+            <a:r>
+              <a:rPr lang="en-US" b="1" cap="all" dirty="0">
+                <a:solidFill>
+                  <a:schemeClr val="accent1"/>
+                </a:solidFill>
+                <a:latin typeface="proxima-nova"/>
+              </a:rPr>
+              <a:t>LON</a:t>
+            </a:r>
+            <a:r>
+              <a:rPr lang="en-US" b="1" cap="all" dirty="0">
+                <a:solidFill>
+                  <a:schemeClr val="accent1"/>
+                </a:solidFill>
+                <a:latin typeface="inherit"/>
+              </a:rPr>
+              <a:t>:</a:t>
+            </a:r>
+            <a:r>
+              <a:rPr lang="en-US" b="1" dirty="0">
+                <a:solidFill>
+                  <a:schemeClr val="accent1"/>
+                </a:solidFill>
+                <a:latin typeface="inherit"/>
+              </a:rPr>
+              <a:t>2.310612</a:t>
+            </a:r>
+            <a:endParaRPr lang="en-US" b="1" i="0" dirty="0">
+              <a:solidFill>
+                <a:schemeClr val="accent1"/>
+              </a:solidFill>
+              <a:effectLst/>
+              <a:latin typeface="proxima-nova"/>
+            </a:endParaRPr>
+          </a:p>
+        </p:txBody>
+      </p:sp>
+      <p:sp>
+        <p:nvSpPr>
+          <p:cNvPr id="6" name="Rectangle 5">
+            <a:extLst>
+              <a:ext uri="{FF2B5EF4-FFF2-40B4-BE49-F238E27FC236}">
+                <a16:creationId xmlns:a16="http://schemas.microsoft.com/office/drawing/2014/main" id="{DF133D87-CA8B-7446-BFC8-2D398B72B266}"/>
+              </a:ext>
+            </a:extLst>
+          </p:cNvPr>
+          <p:cNvSpPr/>
+          <p:nvPr/>
+        </p:nvSpPr>
+        <p:spPr>
+          <a:xfrm>
+            <a:off x="4366780" y="5423758"/>
+            <a:ext cx="3518592" cy="369332"/>
+          </a:xfrm>
+          <a:prstGeom prst="rect">
+            <a:avLst/>
+          </a:prstGeom>
+        </p:spPr>
+        <p:txBody>
+          <a:bodyPr wrap="none">
+            <a:spAutoFit/>
+          </a:bodyPr>
+          <a:lstStyle/>
+          <a:p>
+            <a:r>
+              <a:rPr lang="en-US" b="1" dirty="0">
+                <a:solidFill>
+                  <a:schemeClr val="accent1"/>
+                </a:solidFill>
+              </a:rPr>
+              <a:t>Its about 1.5k from Arc de Triumph</a:t>
+            </a:r>
+          </a:p>
+        </p:txBody>
+      </p:sp>
+      <p:sp>
+        <p:nvSpPr>
+          <p:cNvPr id="7" name="TextBox 6">
+            <a:extLst>
+              <a:ext uri="{FF2B5EF4-FFF2-40B4-BE49-F238E27FC236}">
+                <a16:creationId xmlns:a16="http://schemas.microsoft.com/office/drawing/2014/main" id="{8939FB9E-A992-9F48-AAF3-0BE794DD48E7}"/>
+              </a:ext>
+            </a:extLst>
+          </p:cNvPr>
+          <p:cNvSpPr txBox="1"/>
+          <p:nvPr/>
+        </p:nvSpPr>
+        <p:spPr>
+          <a:xfrm>
+            <a:off x="1343647" y="4957018"/>
+            <a:ext cx="2427268" cy="369332"/>
+          </a:xfrm>
+          <a:prstGeom prst="rect">
+            <a:avLst/>
+          </a:prstGeom>
+          <a:noFill/>
+        </p:spPr>
+        <p:txBody>
+          <a:bodyPr wrap="none" rtlCol="0">
+            <a:spAutoFit/>
+          </a:bodyPr>
+          <a:lstStyle/>
+          <a:p>
+            <a:r>
+              <a:rPr lang="en-US" dirty="0"/>
+              <a:t>2 Values, Highly Specific</a:t>
+            </a:r>
+          </a:p>
+        </p:txBody>
+      </p:sp>
+      <p:sp>
+        <p:nvSpPr>
+          <p:cNvPr id="21" name="TextBox 20">
+            <a:extLst>
+              <a:ext uri="{FF2B5EF4-FFF2-40B4-BE49-F238E27FC236}">
+                <a16:creationId xmlns:a16="http://schemas.microsoft.com/office/drawing/2014/main" id="{178267D5-4D55-2B40-A66E-FD8ED2D74B45}"/>
+              </a:ext>
+            </a:extLst>
+          </p:cNvPr>
+          <p:cNvSpPr txBox="1"/>
+          <p:nvPr/>
+        </p:nvSpPr>
+        <p:spPr>
+          <a:xfrm>
+            <a:off x="4434050" y="4957018"/>
+            <a:ext cx="3919278" cy="369332"/>
+          </a:xfrm>
+          <a:prstGeom prst="rect">
+            <a:avLst/>
+          </a:prstGeom>
+          <a:noFill/>
+        </p:spPr>
+        <p:txBody>
+          <a:bodyPr wrap="none" rtlCol="0">
+            <a:spAutoFit/>
+          </a:bodyPr>
+          <a:lstStyle/>
+          <a:p>
+            <a:r>
+              <a:rPr lang="en-US" dirty="0"/>
+              <a:t>1 Values, Less Specific, </a:t>
+            </a:r>
+            <a:r>
+              <a:rPr lang="en-US"/>
+              <a:t>generally correct</a:t>
+            </a:r>
+            <a:endParaRPr lang="en-US" dirty="0"/>
+          </a:p>
+        </p:txBody>
+      </p:sp>
+    </p:spTree>
+    <p:extLst>
+      <p:ext uri="{BB962C8B-B14F-4D97-AF65-F5344CB8AC3E}">
+        <p14:creationId xmlns:p14="http://schemas.microsoft.com/office/powerpoint/2010/main" val="1841352029"/>
+      </p:ext>
+    </p:extLst>
+  </p:cSld>
+  <p:clrMapOvr>
+    <a:masterClrMapping/>
+  </p:clrMapOvr>
+  <p:timing>
+    <p:tnLst>
+      <p:par>
+        <p:cTn id="1" dur="indefinite" restart="never" nodeType="tmRoot">
+          <p:childTnLst>
+            <p:seq concurrent="1" nextAc="seek">
+              <p:cTn id="2" dur="indefinite" nodeType="mainSeq">
+                <p:childTnLst>
+                  <p:par>
+                    <p:cTn id="3" fill="hold">
+                      <p:stCondLst>
+                        <p:cond delay="indefinite"/>
+                      </p:stCondLst>
+                      <p:childTnLst>
+                        <p:par>
+                          <p:cTn id="4" fill="hold">
+                            <p:stCondLst>
+                              <p:cond delay="0"/>
+                            </p:stCondLst>
+                            <p:childTnLst>
+                              <p:par>
+                                <p:cTn id="5" presetID="1" presetClass="entr" presetSubtype="0" fill="hold" grpId="0" nodeType="clickEffect">
+                                  <p:stCondLst>
+                                    <p:cond delay="0"/>
+                                  </p:stCondLst>
+                                  <p:childTnLst>
+                                    <p:set>
+                                      <p:cBhvr>
+                                        <p:cTn id="6" dur="1" fill="hold">
+                                          <p:stCondLst>
+                                            <p:cond delay="0"/>
+                                          </p:stCondLst>
+                                        </p:cTn>
+                                        <p:tgtEl>
+                                          <p:spTgt spid="16"/>
+                                        </p:tgtEl>
+                                        <p:attrNameLst>
+                                          <p:attrName>style.visibility</p:attrName>
+                                        </p:attrNameLst>
+                                      </p:cBhvr>
+                                      <p:to>
+                                        <p:strVal val="visible"/>
+                                      </p:to>
+                                    </p:set>
+                                  </p:childTnLst>
+                                </p:cTn>
+                              </p:par>
+                            </p:childTnLst>
+                          </p:cTn>
+                        </p:par>
+                      </p:childTnLst>
+                    </p:cTn>
+                  </p:par>
+                  <p:par>
+                    <p:cTn id="7" fill="hold">
+                      <p:stCondLst>
+                        <p:cond delay="indefinite"/>
+                      </p:stCondLst>
+                      <p:childTnLst>
+                        <p:par>
+                          <p:cTn id="8" fill="hold">
+                            <p:stCondLst>
+                              <p:cond delay="0"/>
+                            </p:stCondLst>
+                            <p:childTnLst>
+                              <p:par>
+                                <p:cTn id="9" presetID="1" presetClass="entr" presetSubtype="0" fill="hold" grpId="0" nodeType="clickEffect">
+                                  <p:stCondLst>
+                                    <p:cond delay="0"/>
+                                  </p:stCondLst>
+                                  <p:childTnLst>
+                                    <p:set>
+                                      <p:cBhvr>
+                                        <p:cTn id="10" dur="1" fill="hold">
+                                          <p:stCondLst>
+                                            <p:cond delay="0"/>
+                                          </p:stCondLst>
+                                        </p:cTn>
+                                        <p:tgtEl>
+                                          <p:spTgt spid="15"/>
+                                        </p:tgtEl>
+                                        <p:attrNameLst>
+                                          <p:attrName>style.visibility</p:attrName>
+                                        </p:attrNameLst>
+                                      </p:cBhvr>
+                                      <p:to>
+                                        <p:strVal val="visible"/>
+                                      </p:to>
+                                    </p:set>
+                                  </p:childTnLst>
+                                </p:cTn>
+                              </p:par>
+                              <p:par>
+                                <p:cTn id="11" presetID="1" presetClass="entr" presetSubtype="0" fill="hold" grpId="0" nodeType="withEffect">
+                                  <p:stCondLst>
+                                    <p:cond delay="0"/>
+                                  </p:stCondLst>
+                                  <p:childTnLst>
+                                    <p:set>
+                                      <p:cBhvr>
+                                        <p:cTn id="12" dur="1" fill="hold">
+                                          <p:stCondLst>
+                                            <p:cond delay="0"/>
+                                          </p:stCondLst>
+                                        </p:cTn>
+                                        <p:tgtEl>
+                                          <p:spTgt spid="13"/>
+                                        </p:tgtEl>
+                                        <p:attrNameLst>
+                                          <p:attrName>style.visibility</p:attrName>
+                                        </p:attrNameLst>
+                                      </p:cBhvr>
+                                      <p:to>
+                                        <p:strVal val="visible"/>
+                                      </p:to>
+                                    </p:set>
+                                  </p:childTnLst>
+                                </p:cTn>
+                              </p:par>
+                            </p:childTnLst>
+                          </p:cTn>
+                        </p:par>
+                      </p:childTnLst>
+                    </p:cTn>
+                  </p:par>
+                  <p:par>
+                    <p:cTn id="13" fill="hold">
+                      <p:stCondLst>
+                        <p:cond delay="indefinite"/>
+                      </p:stCondLst>
+                      <p:childTnLst>
+                        <p:par>
+                          <p:cTn id="14" fill="hold">
+                            <p:stCondLst>
+                              <p:cond delay="0"/>
+                            </p:stCondLst>
+                            <p:childTnLst>
+                              <p:par>
+                                <p:cTn id="15" presetID="1" presetClass="entr" presetSubtype="0" fill="hold" nodeType="clickEffect">
+                                  <p:stCondLst>
+                                    <p:cond delay="0"/>
+                                  </p:stCondLst>
+                                  <p:childTnLst>
+                                    <p:set>
+                                      <p:cBhvr>
+                                        <p:cTn id="16" dur="1" fill="hold">
+                                          <p:stCondLst>
+                                            <p:cond delay="0"/>
+                                          </p:stCondLst>
+                                        </p:cTn>
+                                        <p:tgtEl>
+                                          <p:spTgt spid="18"/>
+                                        </p:tgtEl>
+                                        <p:attrNameLst>
+                                          <p:attrName>style.visibility</p:attrName>
+                                        </p:attrNameLst>
+                                      </p:cBhvr>
+                                      <p:to>
+                                        <p:strVal val="visible"/>
+                                      </p:to>
+                                    </p:set>
+                                  </p:childTnLst>
+                                </p:cTn>
+                              </p:par>
+                              <p:par>
+                                <p:cTn id="17" presetID="1" presetClass="entr" presetSubtype="0" fill="hold" nodeType="withEffect">
+                                  <p:stCondLst>
+                                    <p:cond delay="0"/>
+                                  </p:stCondLst>
+                                  <p:childTnLst>
+                                    <p:set>
+                                      <p:cBhvr>
+                                        <p:cTn id="18" dur="1" fill="hold">
+                                          <p:stCondLst>
+                                            <p:cond delay="0"/>
+                                          </p:stCondLst>
+                                        </p:cTn>
+                                        <p:tgtEl>
+                                          <p:spTgt spid="20"/>
+                                        </p:tgtEl>
+                                        <p:attrNameLst>
+                                          <p:attrName>style.visibility</p:attrName>
+                                        </p:attrNameLst>
+                                      </p:cBhvr>
+                                      <p:to>
+                                        <p:strVal val="visible"/>
+                                      </p:to>
+                                    </p:set>
+                                  </p:childTnLst>
+                                </p:cTn>
+                              </p:par>
+                            </p:childTnLst>
+                          </p:cTn>
+                        </p:par>
+                      </p:childTnLst>
+                    </p:cTn>
+                  </p:par>
+                  <p:par>
+                    <p:cTn id="19" fill="hold">
+                      <p:stCondLst>
+                        <p:cond delay="indefinite"/>
+                      </p:stCondLst>
+                      <p:childTnLst>
+                        <p:par>
+                          <p:cTn id="20" fill="hold">
+                            <p:stCondLst>
+                              <p:cond delay="0"/>
+                            </p:stCondLst>
+                            <p:childTnLst>
+                              <p:par>
+                                <p:cTn id="21" presetID="9" presetClass="emph" presetSubtype="0" nodeType="clickEffect">
+                                  <p:stCondLst>
+                                    <p:cond delay="0"/>
+                                  </p:stCondLst>
+                                  <p:childTnLst>
+                                    <p:set>
+                                      <p:cBhvr>
+                                        <p:cTn id="22" dur="indefinite"/>
+                                        <p:tgtEl>
+                                          <p:spTgt spid="18"/>
+                                        </p:tgtEl>
+                                        <p:attrNameLst>
+                                          <p:attrName>style.opacity</p:attrName>
+                                        </p:attrNameLst>
+                                      </p:cBhvr>
+                                      <p:to>
+                                        <p:strVal val="0.25"/>
+                                      </p:to>
+                                    </p:set>
+                                    <p:animEffect filter="image" prLst="opacity: 0.25">
+                                      <p:cBhvr rctx="IE">
+                                        <p:cTn id="23" dur="indefinite"/>
+                                        <p:tgtEl>
+                                          <p:spTgt spid="18"/>
+                                        </p:tgtEl>
+                                      </p:cBhvr>
+                                    </p:animEffect>
+                                  </p:childTnLst>
+                                </p:cTn>
+                              </p:par>
+                              <p:par>
+                                <p:cTn id="24" presetID="9" presetClass="emph" presetSubtype="0" nodeType="withEffect">
+                                  <p:stCondLst>
+                                    <p:cond delay="0"/>
+                                  </p:stCondLst>
+                                  <p:childTnLst>
+                                    <p:set>
+                                      <p:cBhvr>
+                                        <p:cTn id="25" dur="indefinite"/>
+                                        <p:tgtEl>
+                                          <p:spTgt spid="20"/>
+                                        </p:tgtEl>
+                                        <p:attrNameLst>
+                                          <p:attrName>style.opacity</p:attrName>
+                                        </p:attrNameLst>
+                                      </p:cBhvr>
+                                      <p:to>
+                                        <p:strVal val="0.25"/>
+                                      </p:to>
+                                    </p:set>
+                                    <p:animEffect filter="image" prLst="opacity: 0.25">
+                                      <p:cBhvr rctx="IE">
+                                        <p:cTn id="26" dur="indefinite"/>
+                                        <p:tgtEl>
+                                          <p:spTgt spid="20"/>
+                                        </p:tgtEl>
+                                      </p:cBhvr>
+                                    </p:animEffect>
+                                  </p:childTnLst>
+                                </p:cTn>
+                              </p:par>
+                            </p:childTnLst>
+                          </p:cTn>
+                        </p:par>
+                      </p:childTnLst>
+                    </p:cTn>
+                  </p:par>
+                  <p:par>
+                    <p:cTn id="27" fill="hold">
+                      <p:stCondLst>
+                        <p:cond delay="indefinite"/>
+                      </p:stCondLst>
+                      <p:childTnLst>
+                        <p:par>
+                          <p:cTn id="28" fill="hold">
+                            <p:stCondLst>
+                              <p:cond delay="0"/>
+                            </p:stCondLst>
+                            <p:childTnLst>
+                              <p:par>
+                                <p:cTn id="29" presetID="1" presetClass="entr" presetSubtype="0" fill="hold" nodeType="clickEffect">
+                                  <p:stCondLst>
+                                    <p:cond delay="0"/>
+                                  </p:stCondLst>
+                                  <p:childTnLst>
+                                    <p:set>
+                                      <p:cBhvr>
+                                        <p:cTn id="30" dur="1" fill="hold">
+                                          <p:stCondLst>
+                                            <p:cond delay="0"/>
+                                          </p:stCondLst>
+                                        </p:cTn>
+                                        <p:tgtEl>
+                                          <p:spTgt spid="50"/>
+                                        </p:tgtEl>
+                                        <p:attrNameLst>
+                                          <p:attrName>style.visibility</p:attrName>
+                                        </p:attrNameLst>
+                                      </p:cBhvr>
+                                      <p:to>
+                                        <p:strVal val="visible"/>
+                                      </p:to>
+                                    </p:set>
+                                  </p:childTnLst>
+                                </p:cTn>
+                              </p:par>
+                              <p:par>
+                                <p:cTn id="31" presetID="1" presetClass="entr" presetSubtype="0" fill="hold" grpId="0" nodeType="withEffect">
+                                  <p:stCondLst>
+                                    <p:cond delay="0"/>
+                                  </p:stCondLst>
+                                  <p:childTnLst>
+                                    <p:set>
+                                      <p:cBhvr>
+                                        <p:cTn id="32" dur="1" fill="hold">
+                                          <p:stCondLst>
+                                            <p:cond delay="0"/>
+                                          </p:stCondLst>
+                                        </p:cTn>
+                                        <p:tgtEl>
+                                          <p:spTgt spid="49"/>
+                                        </p:tgtEl>
+                                        <p:attrNameLst>
+                                          <p:attrName>style.visibility</p:attrName>
+                                        </p:attrNameLst>
+                                      </p:cBhvr>
+                                      <p:to>
+                                        <p:strVal val="visible"/>
+                                      </p:to>
+                                    </p:set>
+                                  </p:childTnLst>
+                                </p:cTn>
+                              </p:par>
+                              <p:par>
+                                <p:cTn id="33" presetID="1" presetClass="entr" presetSubtype="0" fill="hold" grpId="0" nodeType="withEffect">
+                                  <p:stCondLst>
+                                    <p:cond delay="0"/>
+                                  </p:stCondLst>
+                                  <p:childTnLst>
+                                    <p:set>
+                                      <p:cBhvr>
+                                        <p:cTn id="34" dur="1" fill="hold">
+                                          <p:stCondLst>
+                                            <p:cond delay="0"/>
+                                          </p:stCondLst>
+                                        </p:cTn>
+                                        <p:tgtEl>
+                                          <p:spTgt spid="19"/>
+                                        </p:tgtEl>
+                                        <p:attrNameLst>
+                                          <p:attrName>style.visibility</p:attrName>
+                                        </p:attrNameLst>
+                                      </p:cBhvr>
+                                      <p:to>
+                                        <p:strVal val="visible"/>
+                                      </p:to>
+                                    </p:set>
+                                  </p:childTnLst>
+                                </p:cTn>
+                              </p:par>
+                            </p:childTnLst>
+                          </p:cTn>
+                        </p:par>
+                      </p:childTnLst>
+                    </p:cTn>
+                  </p:par>
+                </p:childTnLst>
+              </p:cTn>
+              <p:prevCondLst>
+                <p:cond evt="onPrev" delay="0">
+                  <p:tgtEl>
+                    <p:sldTgt/>
+                  </p:tgtEl>
+                </p:cond>
+              </p:prevCondLst>
+              <p:nextCondLst>
+                <p:cond evt="onNext" delay="0">
+                  <p:tgtEl>
+                    <p:sldTgt/>
+                  </p:tgtEl>
+                </p:cond>
+              </p:nextCondLst>
+            </p:seq>
+          </p:childTnLst>
+        </p:cTn>
+      </p:par>
+    </p:tnLst>
+    <p:bldLst>
+      <p:bldP spid="13" grpId="0"/>
+      <p:bldP spid="15" grpId="0"/>
+      <p:bldP spid="16" grpId="0" animBg="1"/>
+      <p:bldP spid="49" grpId="0" animBg="1"/>
+      <p:bldP spid="19" grpId="0"/>
+    </p:bldLst>
+  </p:timing>
+</p:sld>
+</file>
+
+<file path=ppt/slides/slide12.xml><?xml version="1.0" encoding="utf-8"?>
+<p:sld xmlns:a="http://schemas.openxmlformats.org/drawingml/2006/main" xmlns:r="http://schemas.openxmlformats.org/officeDocument/2006/relationships" xmlns:p="http://schemas.openxmlformats.org/presentationml/2006/main">
+  <p:cSld>
+    <p:spTree>
+      <p:nvGrpSpPr>
+        <p:cNvPr id="1" name=""/>
+        <p:cNvGrpSpPr/>
+        <p:nvPr/>
+      </p:nvGrpSpPr>
+      <p:grpSpPr>
+        <a:xfrm>
+          <a:off x="0" y="0"/>
+          <a:ext cx="0" cy="0"/>
+          <a:chOff x="0" y="0"/>
+          <a:chExt cx="0" cy="0"/>
+        </a:xfrm>
+      </p:grpSpPr>
+      <p:sp>
+        <p:nvSpPr>
+          <p:cNvPr id="2" name="Date Placeholder 1">
+            <a:extLst>
+              <a:ext uri="{FF2B5EF4-FFF2-40B4-BE49-F238E27FC236}">
+                <a16:creationId xmlns:a16="http://schemas.microsoft.com/office/drawing/2014/main" id="{FCAE4BAB-CB66-A94D-A782-E24E723F2218}"/>
+              </a:ext>
+            </a:extLst>
+          </p:cNvPr>
+          <p:cNvSpPr>
+            <a:spLocks noGrp="1"/>
+          </p:cNvSpPr>
+          <p:nvPr>
+            <p:ph type="dt" sz="half" idx="10"/>
+          </p:nvPr>
+        </p:nvSpPr>
+        <p:spPr/>
+        <p:txBody>
+          <a:bodyPr/>
+          <a:lstStyle/>
+          <a:p>
+            <a:fld id="{6700A58B-DD98-43D0-B791-721480A02982}" type="datetime1">
+              <a:rPr lang="en-US" smtClean="0"/>
+              <a:t>1/6/21</a:t>
             </a:fld>
             <a:endParaRPr lang="en-US"/>
           </a:p>
@@ -5724,7 +8431,789 @@
             <a:fld id="{37290FF7-652B-4475-AEAB-8B1A5D23AE09}" type="slidenum">
               <a:rPr lang="en-US" smtClean="0"/>
               <a:pPr/>
-              <a:t>10</a:t>
+              <a:t>12</a:t>
+            </a:fld>
+            <a:endParaRPr lang="en-US" dirty="0"/>
+          </a:p>
+        </p:txBody>
+      </p:sp>
+      <p:sp>
+        <p:nvSpPr>
+          <p:cNvPr id="6" name="Rectangle 5">
+            <a:extLst>
+              <a:ext uri="{FF2B5EF4-FFF2-40B4-BE49-F238E27FC236}">
+                <a16:creationId xmlns:a16="http://schemas.microsoft.com/office/drawing/2014/main" id="{96E2FD3A-C333-E24F-81CB-3BECBA46BB26}"/>
+              </a:ext>
+            </a:extLst>
+          </p:cNvPr>
+          <p:cNvSpPr/>
+          <p:nvPr/>
+        </p:nvSpPr>
+        <p:spPr>
+          <a:xfrm>
+            <a:off x="121534" y="1323333"/>
+            <a:ext cx="8582628" cy="369332"/>
+          </a:xfrm>
+          <a:prstGeom prst="rect">
+            <a:avLst/>
+          </a:prstGeom>
+          <a:solidFill>
+            <a:srgbClr val="0070C0"/>
+          </a:solidFill>
+        </p:spPr>
+        <p:txBody>
+          <a:bodyPr wrap="square">
+            <a:spAutoFit/>
+          </a:bodyPr>
+          <a:lstStyle/>
+          <a:p>
+            <a:pPr algn="ctr"/>
+            <a:r>
+              <a:rPr lang="en-US" dirty="0">
+                <a:solidFill>
+                  <a:schemeClr val="bg1"/>
+                </a:solidFill>
+              </a:rPr>
+              <a:t>Term Vectors are paired to reduce dimensions</a:t>
+            </a:r>
+          </a:p>
+        </p:txBody>
+      </p:sp>
+      <p:cxnSp>
+        <p:nvCxnSpPr>
+          <p:cNvPr id="36" name="Straight Connector 35">
+            <a:extLst>
+              <a:ext uri="{FF2B5EF4-FFF2-40B4-BE49-F238E27FC236}">
+                <a16:creationId xmlns:a16="http://schemas.microsoft.com/office/drawing/2014/main" id="{182FAA09-87FB-2549-8CC2-0F3322DD4751}"/>
+              </a:ext>
+            </a:extLst>
+          </p:cNvPr>
+          <p:cNvCxnSpPr/>
+          <p:nvPr/>
+        </p:nvCxnSpPr>
+        <p:spPr>
+          <a:xfrm>
+            <a:off x="6798363" y="6549885"/>
+            <a:ext cx="0" cy="182880"/>
+          </a:xfrm>
+          <a:prstGeom prst="line">
+            <a:avLst/>
+          </a:prstGeom>
+          <a:ln>
+            <a:solidFill>
+              <a:schemeClr val="bg1">
+                <a:lumMod val="85000"/>
+              </a:schemeClr>
+            </a:solidFill>
+          </a:ln>
+        </p:spPr>
+        <p:style>
+          <a:lnRef idx="1">
+            <a:schemeClr val="accent1"/>
+          </a:lnRef>
+          <a:fillRef idx="0">
+            <a:schemeClr val="accent1"/>
+          </a:fillRef>
+          <a:effectRef idx="0">
+            <a:schemeClr val="accent1"/>
+          </a:effectRef>
+          <a:fontRef idx="minor">
+            <a:schemeClr val="tx1"/>
+          </a:fontRef>
+        </p:style>
+      </p:cxnSp>
+      <p:pic>
+        <p:nvPicPr>
+          <p:cNvPr id="8" name="Picture 7" descr="A close up of a map&#10;&#10;Description automatically generated">
+            <a:extLst>
+              <a:ext uri="{FF2B5EF4-FFF2-40B4-BE49-F238E27FC236}">
+                <a16:creationId xmlns:a16="http://schemas.microsoft.com/office/drawing/2014/main" id="{9957DCA5-0A55-9F4B-A894-CDCA36E34962}"/>
+              </a:ext>
+            </a:extLst>
+          </p:cNvPr>
+          <p:cNvPicPr>
+            <a:picLocks noChangeAspect="1"/>
+          </p:cNvPicPr>
+          <p:nvPr/>
+        </p:nvPicPr>
+        <p:blipFill>
+          <a:blip r:embed="rId2">
+            <a:extLst>
+              <a:ext uri="{28A0092B-C50C-407E-A947-70E740481C1C}">
+                <a14:useLocalDpi xmlns:a14="http://schemas.microsoft.com/office/drawing/2010/main" val="0"/>
+              </a:ext>
+            </a:extLst>
+          </a:blip>
+          <a:stretch>
+            <a:fillRect/>
+          </a:stretch>
+        </p:blipFill>
+        <p:spPr>
+          <a:xfrm>
+            <a:off x="98063" y="1975011"/>
+            <a:ext cx="3187286" cy="1578417"/>
+          </a:xfrm>
+          <a:prstGeom prst="rect">
+            <a:avLst/>
+          </a:prstGeom>
+          <a:ln>
+            <a:solidFill>
+              <a:schemeClr val="tx1"/>
+            </a:solidFill>
+          </a:ln>
+        </p:spPr>
+      </p:pic>
+      <p:pic>
+        <p:nvPicPr>
+          <p:cNvPr id="25" name="Picture 24" descr="A close up of a map&#10;&#10;Description automatically generated">
+            <a:extLst>
+              <a:ext uri="{FF2B5EF4-FFF2-40B4-BE49-F238E27FC236}">
+                <a16:creationId xmlns:a16="http://schemas.microsoft.com/office/drawing/2014/main" id="{DCA4E5E6-93CA-DE42-ACC9-A139E3FEEE92}"/>
+              </a:ext>
+            </a:extLst>
+          </p:cNvPr>
+          <p:cNvPicPr>
+            <a:picLocks noChangeAspect="1"/>
+          </p:cNvPicPr>
+          <p:nvPr/>
+        </p:nvPicPr>
+        <p:blipFill>
+          <a:blip r:embed="rId2">
+            <a:extLst>
+              <a:ext uri="{28A0092B-C50C-407E-A947-70E740481C1C}">
+                <a14:useLocalDpi xmlns:a14="http://schemas.microsoft.com/office/drawing/2010/main" val="0"/>
+              </a:ext>
+            </a:extLst>
+          </a:blip>
+          <a:stretch>
+            <a:fillRect/>
+          </a:stretch>
+        </p:blipFill>
+        <p:spPr>
+          <a:xfrm>
+            <a:off x="530570" y="2127411"/>
+            <a:ext cx="3187286" cy="1578417"/>
+          </a:xfrm>
+          <a:prstGeom prst="rect">
+            <a:avLst/>
+          </a:prstGeom>
+          <a:ln>
+            <a:solidFill>
+              <a:schemeClr val="tx1"/>
+            </a:solidFill>
+          </a:ln>
+        </p:spPr>
+      </p:pic>
+      <p:pic>
+        <p:nvPicPr>
+          <p:cNvPr id="26" name="Picture 25" descr="A close up of a map&#10;&#10;Description automatically generated">
+            <a:extLst>
+              <a:ext uri="{FF2B5EF4-FFF2-40B4-BE49-F238E27FC236}">
+                <a16:creationId xmlns:a16="http://schemas.microsoft.com/office/drawing/2014/main" id="{F814DF10-51AE-7D4C-B3B2-CE3B94B805E3}"/>
+              </a:ext>
+            </a:extLst>
+          </p:cNvPr>
+          <p:cNvPicPr>
+            <a:picLocks noChangeAspect="1"/>
+          </p:cNvPicPr>
+          <p:nvPr/>
+        </p:nvPicPr>
+        <p:blipFill>
+          <a:blip r:embed="rId2">
+            <a:extLst>
+              <a:ext uri="{28A0092B-C50C-407E-A947-70E740481C1C}">
+                <a14:useLocalDpi xmlns:a14="http://schemas.microsoft.com/office/drawing/2010/main" val="0"/>
+              </a:ext>
+            </a:extLst>
+          </a:blip>
+          <a:stretch>
+            <a:fillRect/>
+          </a:stretch>
+        </p:blipFill>
+        <p:spPr>
+          <a:xfrm>
+            <a:off x="963077" y="2279811"/>
+            <a:ext cx="3187286" cy="1578417"/>
+          </a:xfrm>
+          <a:prstGeom prst="rect">
+            <a:avLst/>
+          </a:prstGeom>
+          <a:ln>
+            <a:solidFill>
+              <a:schemeClr val="tx1"/>
+            </a:solidFill>
+          </a:ln>
+        </p:spPr>
+      </p:pic>
+      <p:pic>
+        <p:nvPicPr>
+          <p:cNvPr id="27" name="Picture 26" descr="A close up of a map&#10;&#10;Description automatically generated">
+            <a:extLst>
+              <a:ext uri="{FF2B5EF4-FFF2-40B4-BE49-F238E27FC236}">
+                <a16:creationId xmlns:a16="http://schemas.microsoft.com/office/drawing/2014/main" id="{CEB82B2D-F6F5-0E48-A94F-48B010260194}"/>
+              </a:ext>
+            </a:extLst>
+          </p:cNvPr>
+          <p:cNvPicPr>
+            <a:picLocks noChangeAspect="1"/>
+          </p:cNvPicPr>
+          <p:nvPr/>
+        </p:nvPicPr>
+        <p:blipFill>
+          <a:blip r:embed="rId2">
+            <a:extLst>
+              <a:ext uri="{28A0092B-C50C-407E-A947-70E740481C1C}">
+                <a14:useLocalDpi xmlns:a14="http://schemas.microsoft.com/office/drawing/2010/main" val="0"/>
+              </a:ext>
+            </a:extLst>
+          </a:blip>
+          <a:stretch>
+            <a:fillRect/>
+          </a:stretch>
+        </p:blipFill>
+        <p:spPr>
+          <a:xfrm>
+            <a:off x="1395584" y="2432211"/>
+            <a:ext cx="3187286" cy="1578417"/>
+          </a:xfrm>
+          <a:prstGeom prst="rect">
+            <a:avLst/>
+          </a:prstGeom>
+          <a:ln>
+            <a:solidFill>
+              <a:schemeClr val="tx1"/>
+            </a:solidFill>
+          </a:ln>
+        </p:spPr>
+      </p:pic>
+      <p:pic>
+        <p:nvPicPr>
+          <p:cNvPr id="38" name="Picture 37" descr="A close up of a map&#10;&#10;Description automatically generated">
+            <a:extLst>
+              <a:ext uri="{FF2B5EF4-FFF2-40B4-BE49-F238E27FC236}">
+                <a16:creationId xmlns:a16="http://schemas.microsoft.com/office/drawing/2014/main" id="{B9DC3F1F-EFCD-004D-86DC-DA36394D0D1C}"/>
+              </a:ext>
+            </a:extLst>
+          </p:cNvPr>
+          <p:cNvPicPr>
+            <a:picLocks noChangeAspect="1"/>
+          </p:cNvPicPr>
+          <p:nvPr/>
+        </p:nvPicPr>
+        <p:blipFill>
+          <a:blip r:embed="rId2">
+            <a:extLst>
+              <a:ext uri="{28A0092B-C50C-407E-A947-70E740481C1C}">
+                <a14:useLocalDpi xmlns:a14="http://schemas.microsoft.com/office/drawing/2010/main" val="0"/>
+              </a:ext>
+            </a:extLst>
+          </a:blip>
+          <a:stretch>
+            <a:fillRect/>
+          </a:stretch>
+        </p:blipFill>
+        <p:spPr>
+          <a:xfrm>
+            <a:off x="1828091" y="2584611"/>
+            <a:ext cx="3187286" cy="1578417"/>
+          </a:xfrm>
+          <a:prstGeom prst="rect">
+            <a:avLst/>
+          </a:prstGeom>
+          <a:ln>
+            <a:solidFill>
+              <a:schemeClr val="tx1"/>
+            </a:solidFill>
+          </a:ln>
+        </p:spPr>
+      </p:pic>
+      <p:pic>
+        <p:nvPicPr>
+          <p:cNvPr id="39" name="Picture 38" descr="A close up of a map&#10;&#10;Description automatically generated">
+            <a:extLst>
+              <a:ext uri="{FF2B5EF4-FFF2-40B4-BE49-F238E27FC236}">
+                <a16:creationId xmlns:a16="http://schemas.microsoft.com/office/drawing/2014/main" id="{86A82B43-4B3C-2E43-9765-1A70A0856BAC}"/>
+              </a:ext>
+            </a:extLst>
+          </p:cNvPr>
+          <p:cNvPicPr>
+            <a:picLocks noChangeAspect="1"/>
+          </p:cNvPicPr>
+          <p:nvPr/>
+        </p:nvPicPr>
+        <p:blipFill>
+          <a:blip r:embed="rId2">
+            <a:extLst>
+              <a:ext uri="{28A0092B-C50C-407E-A947-70E740481C1C}">
+                <a14:useLocalDpi xmlns:a14="http://schemas.microsoft.com/office/drawing/2010/main" val="0"/>
+              </a:ext>
+            </a:extLst>
+          </a:blip>
+          <a:stretch>
+            <a:fillRect/>
+          </a:stretch>
+        </p:blipFill>
+        <p:spPr>
+          <a:xfrm>
+            <a:off x="2260600" y="3165275"/>
+            <a:ext cx="3187286" cy="1578417"/>
+          </a:xfrm>
+          <a:prstGeom prst="rect">
+            <a:avLst/>
+          </a:prstGeom>
+          <a:ln>
+            <a:solidFill>
+              <a:schemeClr val="tx1"/>
+            </a:solidFill>
+          </a:ln>
+        </p:spPr>
+      </p:pic>
+    </p:spTree>
+    <p:extLst>
+      <p:ext uri="{BB962C8B-B14F-4D97-AF65-F5344CB8AC3E}">
+        <p14:creationId xmlns:p14="http://schemas.microsoft.com/office/powerpoint/2010/main" val="1484447965"/>
+      </p:ext>
+    </p:extLst>
+  </p:cSld>
+  <p:clrMapOvr>
+    <a:masterClrMapping/>
+  </p:clrMapOvr>
+  <p:timing>
+    <p:tnLst>
+      <p:par>
+        <p:cTn id="1" dur="indefinite" restart="never" nodeType="tmRoot">
+          <p:childTnLst>
+            <p:seq concurrent="1" nextAc="seek">
+              <p:cTn id="2" dur="indefinite" nodeType="mainSeq">
+                <p:childTnLst>
+                  <p:par>
+                    <p:cTn id="3" fill="hold">
+                      <p:stCondLst>
+                        <p:cond delay="indefinite"/>
+                      </p:stCondLst>
+                      <p:childTnLst>
+                        <p:par>
+                          <p:cTn id="4" fill="hold">
+                            <p:stCondLst>
+                              <p:cond delay="0"/>
+                            </p:stCondLst>
+                            <p:childTnLst>
+                              <p:par>
+                                <p:cTn id="5" presetID="1" presetClass="entr" presetSubtype="0" fill="hold" nodeType="clickEffect">
+                                  <p:stCondLst>
+                                    <p:cond delay="0"/>
+                                  </p:stCondLst>
+                                  <p:childTnLst>
+                                    <p:set>
+                                      <p:cBhvr>
+                                        <p:cTn id="6" dur="1" fill="hold">
+                                          <p:stCondLst>
+                                            <p:cond delay="0"/>
+                                          </p:stCondLst>
+                                        </p:cTn>
+                                        <p:tgtEl>
+                                          <p:spTgt spid="8"/>
+                                        </p:tgtEl>
+                                        <p:attrNameLst>
+                                          <p:attrName>style.visibility</p:attrName>
+                                        </p:attrNameLst>
+                                      </p:cBhvr>
+                                      <p:to>
+                                        <p:strVal val="visible"/>
+                                      </p:to>
+                                    </p:set>
+                                  </p:childTnLst>
+                                </p:cTn>
+                              </p:par>
+                            </p:childTnLst>
+                          </p:cTn>
+                        </p:par>
+                      </p:childTnLst>
+                    </p:cTn>
+                  </p:par>
+                  <p:par>
+                    <p:cTn id="7" fill="hold">
+                      <p:stCondLst>
+                        <p:cond delay="indefinite"/>
+                      </p:stCondLst>
+                      <p:childTnLst>
+                        <p:par>
+                          <p:cTn id="8" fill="hold">
+                            <p:stCondLst>
+                              <p:cond delay="0"/>
+                            </p:stCondLst>
+                            <p:childTnLst>
+                              <p:par>
+                                <p:cTn id="9" presetID="1" presetClass="entr" presetSubtype="0" fill="hold" nodeType="clickEffect">
+                                  <p:stCondLst>
+                                    <p:cond delay="0"/>
+                                  </p:stCondLst>
+                                  <p:childTnLst>
+                                    <p:set>
+                                      <p:cBhvr>
+                                        <p:cTn id="10" dur="1" fill="hold">
+                                          <p:stCondLst>
+                                            <p:cond delay="0"/>
+                                          </p:stCondLst>
+                                        </p:cTn>
+                                        <p:tgtEl>
+                                          <p:spTgt spid="25"/>
+                                        </p:tgtEl>
+                                        <p:attrNameLst>
+                                          <p:attrName>style.visibility</p:attrName>
+                                        </p:attrNameLst>
+                                      </p:cBhvr>
+                                      <p:to>
+                                        <p:strVal val="visible"/>
+                                      </p:to>
+                                    </p:set>
+                                  </p:childTnLst>
+                                </p:cTn>
+                              </p:par>
+                            </p:childTnLst>
+                          </p:cTn>
+                        </p:par>
+                      </p:childTnLst>
+                    </p:cTn>
+                  </p:par>
+                  <p:par>
+                    <p:cTn id="11" fill="hold">
+                      <p:stCondLst>
+                        <p:cond delay="indefinite"/>
+                      </p:stCondLst>
+                      <p:childTnLst>
+                        <p:par>
+                          <p:cTn id="12" fill="hold">
+                            <p:stCondLst>
+                              <p:cond delay="0"/>
+                            </p:stCondLst>
+                            <p:childTnLst>
+                              <p:par>
+                                <p:cTn id="13" presetID="1" presetClass="entr" presetSubtype="0" fill="hold" nodeType="clickEffect">
+                                  <p:stCondLst>
+                                    <p:cond delay="0"/>
+                                  </p:stCondLst>
+                                  <p:childTnLst>
+                                    <p:set>
+                                      <p:cBhvr>
+                                        <p:cTn id="14" dur="1" fill="hold">
+                                          <p:stCondLst>
+                                            <p:cond delay="0"/>
+                                          </p:stCondLst>
+                                        </p:cTn>
+                                        <p:tgtEl>
+                                          <p:spTgt spid="26"/>
+                                        </p:tgtEl>
+                                        <p:attrNameLst>
+                                          <p:attrName>style.visibility</p:attrName>
+                                        </p:attrNameLst>
+                                      </p:cBhvr>
+                                      <p:to>
+                                        <p:strVal val="visible"/>
+                                      </p:to>
+                                    </p:set>
+                                  </p:childTnLst>
+                                </p:cTn>
+                              </p:par>
+                            </p:childTnLst>
+                          </p:cTn>
+                        </p:par>
+                      </p:childTnLst>
+                    </p:cTn>
+                  </p:par>
+                  <p:par>
+                    <p:cTn id="15" fill="hold">
+                      <p:stCondLst>
+                        <p:cond delay="indefinite"/>
+                      </p:stCondLst>
+                      <p:childTnLst>
+                        <p:par>
+                          <p:cTn id="16" fill="hold">
+                            <p:stCondLst>
+                              <p:cond delay="0"/>
+                            </p:stCondLst>
+                            <p:childTnLst>
+                              <p:par>
+                                <p:cTn id="17" presetID="1" presetClass="entr" presetSubtype="0" fill="hold" nodeType="clickEffect">
+                                  <p:stCondLst>
+                                    <p:cond delay="0"/>
+                                  </p:stCondLst>
+                                  <p:childTnLst>
+                                    <p:set>
+                                      <p:cBhvr>
+                                        <p:cTn id="18" dur="1" fill="hold">
+                                          <p:stCondLst>
+                                            <p:cond delay="0"/>
+                                          </p:stCondLst>
+                                        </p:cTn>
+                                        <p:tgtEl>
+                                          <p:spTgt spid="27"/>
+                                        </p:tgtEl>
+                                        <p:attrNameLst>
+                                          <p:attrName>style.visibility</p:attrName>
+                                        </p:attrNameLst>
+                                      </p:cBhvr>
+                                      <p:to>
+                                        <p:strVal val="visible"/>
+                                      </p:to>
+                                    </p:set>
+                                  </p:childTnLst>
+                                </p:cTn>
+                              </p:par>
+                            </p:childTnLst>
+                          </p:cTn>
+                        </p:par>
+                      </p:childTnLst>
+                    </p:cTn>
+                  </p:par>
+                  <p:par>
+                    <p:cTn id="19" fill="hold">
+                      <p:stCondLst>
+                        <p:cond delay="indefinite"/>
+                      </p:stCondLst>
+                      <p:childTnLst>
+                        <p:par>
+                          <p:cTn id="20" fill="hold">
+                            <p:stCondLst>
+                              <p:cond delay="0"/>
+                            </p:stCondLst>
+                            <p:childTnLst>
+                              <p:par>
+                                <p:cTn id="21" presetID="1" presetClass="entr" presetSubtype="0" fill="hold" nodeType="clickEffect">
+                                  <p:stCondLst>
+                                    <p:cond delay="0"/>
+                                  </p:stCondLst>
+                                  <p:childTnLst>
+                                    <p:set>
+                                      <p:cBhvr>
+                                        <p:cTn id="22" dur="1" fill="hold">
+                                          <p:stCondLst>
+                                            <p:cond delay="0"/>
+                                          </p:stCondLst>
+                                        </p:cTn>
+                                        <p:tgtEl>
+                                          <p:spTgt spid="38"/>
+                                        </p:tgtEl>
+                                        <p:attrNameLst>
+                                          <p:attrName>style.visibility</p:attrName>
+                                        </p:attrNameLst>
+                                      </p:cBhvr>
+                                      <p:to>
+                                        <p:strVal val="visible"/>
+                                      </p:to>
+                                    </p:set>
+                                  </p:childTnLst>
+                                </p:cTn>
+                              </p:par>
+                            </p:childTnLst>
+                          </p:cTn>
+                        </p:par>
+                      </p:childTnLst>
+                    </p:cTn>
+                  </p:par>
+                  <p:par>
+                    <p:cTn id="23" fill="hold">
+                      <p:stCondLst>
+                        <p:cond delay="indefinite"/>
+                      </p:stCondLst>
+                      <p:childTnLst>
+                        <p:par>
+                          <p:cTn id="24" fill="hold">
+                            <p:stCondLst>
+                              <p:cond delay="0"/>
+                            </p:stCondLst>
+                            <p:childTnLst>
+                              <p:par>
+                                <p:cTn id="25" presetID="1" presetClass="entr" presetSubtype="0" fill="hold" nodeType="clickEffect">
+                                  <p:stCondLst>
+                                    <p:cond delay="0"/>
+                                  </p:stCondLst>
+                                  <p:childTnLst>
+                                    <p:set>
+                                      <p:cBhvr>
+                                        <p:cTn id="26" dur="1" fill="hold">
+                                          <p:stCondLst>
+                                            <p:cond delay="0"/>
+                                          </p:stCondLst>
+                                        </p:cTn>
+                                        <p:tgtEl>
+                                          <p:spTgt spid="39"/>
+                                        </p:tgtEl>
+                                        <p:attrNameLst>
+                                          <p:attrName>style.visibility</p:attrName>
+                                        </p:attrNameLst>
+                                      </p:cBhvr>
+                                      <p:to>
+                                        <p:strVal val="visible"/>
+                                      </p:to>
+                                    </p:set>
+                                  </p:childTnLst>
+                                </p:cTn>
+                              </p:par>
+                            </p:childTnLst>
+                          </p:cTn>
+                        </p:par>
+                      </p:childTnLst>
+                    </p:cTn>
+                  </p:par>
+                </p:childTnLst>
+              </p:cTn>
+              <p:prevCondLst>
+                <p:cond evt="onPrev" delay="0">
+                  <p:tgtEl>
+                    <p:sldTgt/>
+                  </p:tgtEl>
+                </p:cond>
+              </p:prevCondLst>
+              <p:nextCondLst>
+                <p:cond evt="onNext" delay="0">
+                  <p:tgtEl>
+                    <p:sldTgt/>
+                  </p:tgtEl>
+                </p:cond>
+              </p:nextCondLst>
+            </p:seq>
+          </p:childTnLst>
+        </p:cTn>
+      </p:par>
+    </p:tnLst>
+  </p:timing>
+</p:sld>
+</file>
+
+<file path=ppt/slides/slide13.xml><?xml version="1.0" encoding="utf-8"?>
+<p:sld xmlns:a="http://schemas.openxmlformats.org/drawingml/2006/main" xmlns:r="http://schemas.openxmlformats.org/officeDocument/2006/relationships" xmlns:p="http://schemas.openxmlformats.org/presentationml/2006/main">
+  <p:cSld>
+    <p:spTree>
+      <p:nvGrpSpPr>
+        <p:cNvPr id="1" name=""/>
+        <p:cNvGrpSpPr/>
+        <p:nvPr/>
+      </p:nvGrpSpPr>
+      <p:grpSpPr>
+        <a:xfrm>
+          <a:off x="0" y="0"/>
+          <a:ext cx="0" cy="0"/>
+          <a:chOff x="0" y="0"/>
+          <a:chExt cx="0" cy="0"/>
+        </a:xfrm>
+      </p:grpSpPr>
+      <p:sp>
+        <p:nvSpPr>
+          <p:cNvPr id="2" name="Date Placeholder 1">
+            <a:extLst>
+              <a:ext uri="{FF2B5EF4-FFF2-40B4-BE49-F238E27FC236}">
+                <a16:creationId xmlns:a16="http://schemas.microsoft.com/office/drawing/2014/main" id="{FCAE4BAB-CB66-A94D-A782-E24E723F2218}"/>
+              </a:ext>
+            </a:extLst>
+          </p:cNvPr>
+          <p:cNvSpPr>
+            <a:spLocks noGrp="1"/>
+          </p:cNvSpPr>
+          <p:nvPr>
+            <p:ph type="dt" sz="half" idx="10"/>
+          </p:nvPr>
+        </p:nvSpPr>
+        <p:spPr/>
+        <p:txBody>
+          <a:bodyPr/>
+          <a:lstStyle/>
+          <a:p>
+            <a:fld id="{6700A58B-DD98-43D0-B791-721480A02982}" type="datetime1">
+              <a:rPr lang="en-US" smtClean="0"/>
+              <a:t>1/6/21</a:t>
+            </a:fld>
+            <a:endParaRPr lang="en-US"/>
+          </a:p>
+        </p:txBody>
+      </p:sp>
+      <p:sp>
+        <p:nvSpPr>
+          <p:cNvPr id="3" name="Title 2">
+            <a:extLst>
+              <a:ext uri="{FF2B5EF4-FFF2-40B4-BE49-F238E27FC236}">
+                <a16:creationId xmlns:a16="http://schemas.microsoft.com/office/drawing/2014/main" id="{837E55FF-D0F5-F342-9741-63005B2F5BA1}"/>
+              </a:ext>
+            </a:extLst>
+          </p:cNvPr>
+          <p:cNvSpPr>
+            <a:spLocks noGrp="1"/>
+          </p:cNvSpPr>
+          <p:nvPr>
+            <p:ph type="title"/>
+          </p:nvPr>
+        </p:nvSpPr>
+        <p:spPr>
+          <a:xfrm>
+            <a:off x="0" y="423002"/>
+            <a:ext cx="9144000" cy="537700"/>
+          </a:xfrm>
+        </p:spPr>
+        <p:txBody>
+          <a:bodyPr/>
+          <a:lstStyle/>
+          <a:p>
+            <a:r>
+              <a:rPr lang="en-US" sz="2800" dirty="0"/>
+              <a:t>In our case, we have thousands of term vectors.</a:t>
+            </a:r>
+          </a:p>
+        </p:txBody>
+      </p:sp>
+      <p:sp>
+        <p:nvSpPr>
+          <p:cNvPr id="4" name="Footer Placeholder 3">
+            <a:extLst>
+              <a:ext uri="{FF2B5EF4-FFF2-40B4-BE49-F238E27FC236}">
+                <a16:creationId xmlns:a16="http://schemas.microsoft.com/office/drawing/2014/main" id="{5CB4E302-66AC-3246-9AFF-7DBBBF305F02}"/>
+              </a:ext>
+            </a:extLst>
+          </p:cNvPr>
+          <p:cNvSpPr>
+            <a:spLocks noGrp="1"/>
+          </p:cNvSpPr>
+          <p:nvPr>
+            <p:ph type="ftr" sz="quarter" idx="3"/>
+          </p:nvPr>
+        </p:nvSpPr>
+        <p:spPr/>
+        <p:txBody>
+          <a:bodyPr/>
+          <a:lstStyle/>
+          <a:p>
+            <a:r>
+              <a:rPr lang="en-US"/>
+              <a:t>Kwartler</a:t>
+            </a:r>
+            <a:endParaRPr lang="en-US" dirty="0"/>
+          </a:p>
+        </p:txBody>
+      </p:sp>
+      <p:sp>
+        <p:nvSpPr>
+          <p:cNvPr id="5" name="Slide Number Placeholder 4">
+            <a:extLst>
+              <a:ext uri="{FF2B5EF4-FFF2-40B4-BE49-F238E27FC236}">
+                <a16:creationId xmlns:a16="http://schemas.microsoft.com/office/drawing/2014/main" id="{A048682B-49BD-9F4B-8CFB-B46CAAD920C4}"/>
+              </a:ext>
+            </a:extLst>
+          </p:cNvPr>
+          <p:cNvSpPr>
+            <a:spLocks noGrp="1"/>
+          </p:cNvSpPr>
+          <p:nvPr>
+            <p:ph type="sldNum" sz="quarter" idx="4"/>
+          </p:nvPr>
+        </p:nvSpPr>
+        <p:spPr/>
+        <p:txBody>
+          <a:bodyPr/>
+          <a:lstStyle/>
+          <a:p>
+            <a:fld id="{37290FF7-652B-4475-AEAB-8B1A5D23AE09}" type="slidenum">
+              <a:rPr lang="en-US" smtClean="0"/>
+              <a:pPr/>
+              <a:t>13</a:t>
             </a:fld>
             <a:endParaRPr lang="en-US" dirty="0"/>
           </a:p>
@@ -6524,7 +10013,7 @@
 </p:sld>
 </file>
 
-<file path=ppt/slides/slide11.xml><?xml version="1.0" encoding="utf-8"?>
+<file path=ppt/slides/slide14.xml><?xml version="1.0" encoding="utf-8"?>
 <p:sld xmlns:a="http://schemas.openxmlformats.org/drawingml/2006/main" xmlns:r="http://schemas.openxmlformats.org/officeDocument/2006/relationships" xmlns:p="http://schemas.openxmlformats.org/presentationml/2006/main">
   <p:cSld>
     <p:spTree>
@@ -6564,7 +10053,7 @@
           <a:p>
             <a:fld id="{6700A58B-DD98-43D0-B791-721480A02982}" type="datetime1">
               <a:rPr lang="en-US" smtClean="0"/>
-              <a:t>6/10/20</a:t>
+              <a:t>1/6/21</a:t>
             </a:fld>
             <a:endParaRPr lang="en-US"/>
           </a:p>
@@ -6656,7 +10145,7 @@
             <a:fld id="{37290FF7-652B-4475-AEAB-8B1A5D23AE09}" type="slidenum">
               <a:rPr lang="en-US" smtClean="0"/>
               <a:pPr/>
-              <a:t>11</a:t>
+              <a:t>14</a:t>
             </a:fld>
             <a:endParaRPr lang="en-US" dirty="0"/>
           </a:p>
@@ -7207,7 +10696,7 @@
 </p:sld>
 </file>
 
-<file path=ppt/slides/slide12.xml><?xml version="1.0" encoding="utf-8"?>
+<file path=ppt/slides/slide15.xml><?xml version="1.0" encoding="utf-8"?>
 <p:sld xmlns:a="http://schemas.openxmlformats.org/drawingml/2006/main" xmlns:r="http://schemas.openxmlformats.org/officeDocument/2006/relationships" xmlns:p="http://schemas.openxmlformats.org/presentationml/2006/main">
   <p:cSld>
     <p:spTree>
@@ -7247,7 +10736,7 @@
           <a:p>
             <a:fld id="{6700A58B-DD98-43D0-B791-721480A02982}" type="datetime1">
               <a:rPr lang="en-US" smtClean="0"/>
-              <a:t>6/10/20</a:t>
+              <a:t>1/6/21</a:t>
             </a:fld>
             <a:endParaRPr lang="en-US"/>
           </a:p>
@@ -7339,7 +10828,7 @@
             <a:fld id="{37290FF7-652B-4475-AEAB-8B1A5D23AE09}" type="slidenum">
               <a:rPr lang="en-US" smtClean="0"/>
               <a:pPr/>
-              <a:t>12</a:t>
+              <a:t>15</a:t>
             </a:fld>
             <a:endParaRPr lang="en-US" dirty="0"/>
           </a:p>
@@ -7435,7 +10924,7 @@
 </p:sld>
 </file>
 
-<file path=ppt/slides/slide13.xml><?xml version="1.0" encoding="utf-8"?>
+<file path=ppt/slides/slide16.xml><?xml version="1.0" encoding="utf-8"?>
 <p:sld xmlns:a="http://schemas.openxmlformats.org/drawingml/2006/main" xmlns:r="http://schemas.openxmlformats.org/officeDocument/2006/relationships" xmlns:p="http://schemas.openxmlformats.org/presentationml/2006/main">
   <p:cSld>
     <p:spTree>
@@ -7475,7 +10964,7 @@
           <a:p>
             <a:fld id="{6700A58B-DD98-43D0-B791-721480A02982}" type="datetime1">
               <a:rPr lang="en-US" smtClean="0"/>
-              <a:t>6/10/20</a:t>
+              <a:t>1/6/21</a:t>
             </a:fld>
             <a:endParaRPr lang="en-US"/>
           </a:p>
@@ -7562,7 +11051,7 @@
             <a:fld id="{37290FF7-652B-4475-AEAB-8B1A5D23AE09}" type="slidenum">
               <a:rPr lang="en-US" smtClean="0"/>
               <a:pPr/>
-              <a:t>13</a:t>
+              <a:t>16</a:t>
             </a:fld>
             <a:endParaRPr lang="en-US" dirty="0"/>
           </a:p>
@@ -9345,7 +12834,7 @@
 </p:sld>
 </file>
 
-<file path=ppt/slides/slide14.xml><?xml version="1.0" encoding="utf-8"?>
+<file path=ppt/slides/slide17.xml><?xml version="1.0" encoding="utf-8"?>
 <p:sld xmlns:a="http://schemas.openxmlformats.org/drawingml/2006/main" xmlns:r="http://schemas.openxmlformats.org/officeDocument/2006/relationships" xmlns:p="http://schemas.openxmlformats.org/presentationml/2006/main">
   <p:cSld>
     <p:spTree>
@@ -9385,7 +12874,7 @@
           <a:p>
             <a:fld id="{6700A58B-DD98-43D0-B791-721480A02982}" type="datetime1">
               <a:rPr lang="en-US" smtClean="0"/>
-              <a:t>6/10/20</a:t>
+              <a:t>1/6/21</a:t>
             </a:fld>
             <a:endParaRPr lang="en-US"/>
           </a:p>
@@ -9472,7 +12961,7 @@
             <a:fld id="{37290FF7-652B-4475-AEAB-8B1A5D23AE09}" type="slidenum">
               <a:rPr lang="en-US" smtClean="0"/>
               <a:pPr/>
-              <a:t>14</a:t>
+              <a:t>17</a:t>
             </a:fld>
             <a:endParaRPr lang="en-US" dirty="0"/>
           </a:p>
@@ -10602,7 +14091,7 @@
 </p:sld>
 </file>
 
-<file path=ppt/slides/slide15.xml><?xml version="1.0" encoding="utf-8"?>
+<file path=ppt/slides/slide18.xml><?xml version="1.0" encoding="utf-8"?>
 <p:sld xmlns:a="http://schemas.openxmlformats.org/drawingml/2006/main" xmlns:r="http://schemas.openxmlformats.org/officeDocument/2006/relationships" xmlns:p="http://schemas.openxmlformats.org/presentationml/2006/main">
   <p:cSld>
     <p:spTree>
@@ -10642,7 +14131,7 @@
           <a:p>
             <a:fld id="{6700A58B-DD98-43D0-B791-721480A02982}" type="datetime1">
               <a:rPr lang="en-US" smtClean="0"/>
-              <a:t>6/10/20</a:t>
+              <a:t>1/6/21</a:t>
             </a:fld>
             <a:endParaRPr lang="en-US"/>
           </a:p>
@@ -10734,7 +14223,7 @@
             <a:fld id="{37290FF7-652B-4475-AEAB-8B1A5D23AE09}" type="slidenum">
               <a:rPr lang="en-US" smtClean="0"/>
               <a:pPr/>
-              <a:t>15</a:t>
+              <a:t>18</a:t>
             </a:fld>
             <a:endParaRPr lang="en-US" dirty="0"/>
           </a:p>
@@ -10789,7 +14278,7 @@
 </p:sld>
 </file>
 
-<file path=ppt/slides/slide16.xml><?xml version="1.0" encoding="utf-8"?>
+<file path=ppt/slides/slide19.xml><?xml version="1.0" encoding="utf-8"?>
 <p:sld xmlns:a="http://schemas.openxmlformats.org/drawingml/2006/main" xmlns:r="http://schemas.openxmlformats.org/officeDocument/2006/relationships" xmlns:p="http://schemas.openxmlformats.org/presentationml/2006/main">
   <p:cSld>
     <p:spTree>
@@ -10829,7 +14318,7 @@
           <a:p>
             <a:fld id="{6700A58B-DD98-43D0-B791-721480A02982}" type="datetime1">
               <a:rPr lang="en-US" smtClean="0"/>
-              <a:t>6/10/20</a:t>
+              <a:t>1/6/21</a:t>
             </a:fld>
             <a:endParaRPr lang="en-US"/>
           </a:p>
@@ -10929,7 +14418,7 @@
             <a:fld id="{37290FF7-652B-4475-AEAB-8B1A5D23AE09}" type="slidenum">
               <a:rPr lang="en-US" smtClean="0"/>
               <a:pPr/>
-              <a:t>16</a:t>
+              <a:t>19</a:t>
             </a:fld>
             <a:endParaRPr lang="en-US" dirty="0"/>
           </a:p>
@@ -11074,7 +14563,7 @@
           <a:p>
             <a:fld id="{6700A58B-DD98-43D0-B791-721480A02982}" type="datetime1">
               <a:rPr lang="en-US" smtClean="0"/>
-              <a:t>6/10/20</a:t>
+              <a:t>1/6/21</a:t>
             </a:fld>
             <a:endParaRPr lang="en-US"/>
           </a:p>
@@ -12072,7 +15561,7 @@
           <a:p>
             <a:fld id="{6700A58B-DD98-43D0-B791-721480A02982}" type="datetime1">
               <a:rPr lang="en-US" smtClean="0"/>
-              <a:t>6/10/20</a:t>
+              <a:t>1/6/21</a:t>
             </a:fld>
             <a:endParaRPr lang="en-US"/>
           </a:p>
@@ -12693,7 +16182,7 @@
           <a:p>
             <a:fld id="{6700A58B-DD98-43D0-B791-721480A02982}" type="datetime1">
               <a:rPr lang="en-US" smtClean="0"/>
-              <a:t>6/10/20</a:t>
+              <a:t>1/6/21</a:t>
             </a:fld>
             <a:endParaRPr lang="en-US"/>
           </a:p>
@@ -13473,7 +16962,7 @@
           <a:p>
             <a:fld id="{6700A58B-DD98-43D0-B791-721480A02982}" type="datetime1">
               <a:rPr lang="en-US" smtClean="0"/>
-              <a:t>6/10/20</a:t>
+              <a:t>1/6/21</a:t>
             </a:fld>
             <a:endParaRPr lang="en-US"/>
           </a:p>
@@ -14188,7 +17677,7 @@
           <a:p>
             <a:fld id="{6700A58B-DD98-43D0-B791-721480A02982}" type="datetime1">
               <a:rPr lang="en-US" smtClean="0"/>
-              <a:t>6/10/20</a:t>
+              <a:t>1/6/21</a:t>
             </a:fld>
             <a:endParaRPr lang="en-US"/>
           </a:p>
@@ -15295,7 +18784,7 @@
           <a:p>
             <a:fld id="{6700A58B-DD98-43D0-B791-721480A02982}" type="datetime1">
               <a:rPr lang="en-US" smtClean="0"/>
-              <a:t>6/10/20</a:t>
+              <a:t>1/6/21</a:t>
             </a:fld>
             <a:endParaRPr lang="en-US"/>
           </a:p>
@@ -16526,7 +20015,7 @@
           <a:p>
             <a:fld id="{6700A58B-DD98-43D0-B791-721480A02982}" type="datetime1">
               <a:rPr lang="en-US" smtClean="0"/>
-              <a:t>6/10/20</a:t>
+              <a:t>1/6/21</a:t>
             </a:fld>
             <a:endParaRPr lang="en-US"/>
           </a:p>
@@ -17369,7 +20858,7 @@
           <a:p>
             <a:fld id="{6700A58B-DD98-43D0-B791-721480A02982}" type="datetime1">
               <a:rPr lang="en-US" smtClean="0"/>
-              <a:t>6/10/20</a:t>
+              <a:t>1/6/21</a:t>
             </a:fld>
             <a:endParaRPr lang="en-US"/>
           </a:p>
@@ -17393,7 +20882,7 @@
         </p:nvSpPr>
         <p:spPr>
           <a:xfrm>
-            <a:off x="0" y="423002"/>
+            <a:off x="0" y="249382"/>
             <a:ext cx="9144000" cy="537700"/>
           </a:xfrm>
         </p:spPr>
@@ -17403,8 +20892,35 @@
           <a:p>
             <a:r>
               <a:rPr lang="en-US" sz="2800" dirty="0"/>
-              <a:t>In our case, we have thousands of term vectors.</a:t>
+              <a:t>Intuitive Example of PCA</a:t>
             </a:r>
+            <a:br>
+              <a:rPr lang="en-US" sz="2400" dirty="0"/>
+            </a:br>
+            <a:r>
+              <a:rPr lang="en-US" sz="2400" dirty="0"/>
+              <a:t>Where is the </a:t>
+            </a:r>
+            <a:r>
+              <a:rPr lang="en-US" sz="2400" dirty="0" err="1"/>
+              <a:t>Musee</a:t>
+            </a:r>
+            <a:r>
+              <a:rPr lang="en-US" sz="2400" dirty="0"/>
+              <a:t> </a:t>
+            </a:r>
+            <a:r>
+              <a:rPr lang="en-US" sz="2400" dirty="0" err="1"/>
+              <a:t>Jacquemart</a:t>
+            </a:r>
+            <a:r>
+              <a:rPr lang="en-US" sz="2400" dirty="0"/>
+              <a:t>-Andre in Paris?</a:t>
+            </a:r>
+            <a:br>
+              <a:rPr lang="en-US" sz="2400" dirty="0"/>
+            </a:br>
+            <a:endParaRPr lang="en-US" sz="2800" dirty="0"/>
           </a:p>
         </p:txBody>
       </p:sp>
@@ -17467,12 +20983,276 @@
           </a:p>
         </p:txBody>
       </p:sp>
+      <p:pic>
+        <p:nvPicPr>
+          <p:cNvPr id="46" name="Picture 45" descr="A close up of a map&#10;&#10;Description automatically generated">
+            <a:extLst>
+              <a:ext uri="{FF2B5EF4-FFF2-40B4-BE49-F238E27FC236}">
+                <a16:creationId xmlns:a16="http://schemas.microsoft.com/office/drawing/2014/main" id="{373FF655-7830-0A45-A689-8D0C9BB68B0C}"/>
+              </a:ext>
+            </a:extLst>
+          </p:cNvPr>
+          <p:cNvPicPr>
+            <a:picLocks noChangeAspect="1"/>
+          </p:cNvPicPr>
+          <p:nvPr/>
+        </p:nvPicPr>
+        <p:blipFill>
+          <a:blip r:embed="rId2">
+            <a:extLst>
+              <a:ext uri="{28A0092B-C50C-407E-A947-70E740481C1C}">
+                <a14:useLocalDpi xmlns:a14="http://schemas.microsoft.com/office/drawing/2010/main" val="0"/>
+              </a:ext>
+            </a:extLst>
+          </a:blip>
+          <a:srcRect l="15971" t="1964"/>
+          <a:stretch>
+            <a:fillRect/>
+          </a:stretch>
+        </p:blipFill>
+        <p:spPr>
+          <a:xfrm rot="20151040">
+            <a:off x="-233379" y="411648"/>
+            <a:ext cx="6400800" cy="5079085"/>
+          </a:xfrm>
+          <a:custGeom>
+            <a:avLst/>
+            <a:gdLst>
+              <a:gd name="connsiteX0" fmla="*/ 1467971 w 7683592"/>
+              <a:gd name="connsiteY0" fmla="*/ 0 h 6096986"/>
+              <a:gd name="connsiteX1" fmla="*/ 7683592 w 7683592"/>
+              <a:gd name="connsiteY1" fmla="*/ 2786807 h 6096986"/>
+              <a:gd name="connsiteX2" fmla="*/ 7683592 w 7683592"/>
+              <a:gd name="connsiteY2" fmla="*/ 3253449 h 6096986"/>
+              <a:gd name="connsiteX3" fmla="*/ 6408677 w 7683592"/>
+              <a:gd name="connsiteY3" fmla="*/ 6096986 h 6096986"/>
+              <a:gd name="connsiteX4" fmla="*/ 6296035 w 7683592"/>
+              <a:gd name="connsiteY4" fmla="*/ 6096986 h 6096986"/>
+              <a:gd name="connsiteX5" fmla="*/ 0 w 7683592"/>
+              <a:gd name="connsiteY5" fmla="*/ 3274125 h 6096986"/>
+              <a:gd name="connsiteX6" fmla="*/ 1467971 w 7683592"/>
+              <a:gd name="connsiteY6" fmla="*/ 0 h 6096986"/>
+            </a:gdLst>
+            <a:ahLst/>
+            <a:cxnLst>
+              <a:cxn ang="0">
+                <a:pos x="connsiteX0" y="connsiteY0"/>
+              </a:cxn>
+              <a:cxn ang="0">
+                <a:pos x="connsiteX1" y="connsiteY1"/>
+              </a:cxn>
+              <a:cxn ang="0">
+                <a:pos x="connsiteX2" y="connsiteY2"/>
+              </a:cxn>
+              <a:cxn ang="0">
+                <a:pos x="connsiteX3" y="connsiteY3"/>
+              </a:cxn>
+              <a:cxn ang="0">
+                <a:pos x="connsiteX4" y="connsiteY4"/>
+              </a:cxn>
+              <a:cxn ang="0">
+                <a:pos x="connsiteX5" y="connsiteY5"/>
+              </a:cxn>
+              <a:cxn ang="0">
+                <a:pos x="connsiteX6" y="connsiteY6"/>
+              </a:cxn>
+            </a:cxnLst>
+            <a:rect l="l" t="t" r="r" b="b"/>
+            <a:pathLst>
+              <a:path w="7683592" h="6096986">
+                <a:moveTo>
+                  <a:pt x="1467971" y="0"/>
+                </a:moveTo>
+                <a:lnTo>
+                  <a:pt x="7683592" y="2786807"/>
+                </a:lnTo>
+                <a:lnTo>
+                  <a:pt x="7683592" y="3253449"/>
+                </a:lnTo>
+                <a:lnTo>
+                  <a:pt x="6408677" y="6096986"/>
+                </a:lnTo>
+                <a:lnTo>
+                  <a:pt x="6296035" y="6096986"/>
+                </a:lnTo>
+                <a:lnTo>
+                  <a:pt x="0" y="3274125"/>
+                </a:lnTo>
+                <a:lnTo>
+                  <a:pt x="1467971" y="0"/>
+                </a:lnTo>
+                <a:close/>
+              </a:path>
+            </a:pathLst>
+          </a:custGeom>
+        </p:spPr>
+      </p:pic>
+      <p:pic>
+        <p:nvPicPr>
+          <p:cNvPr id="44" name="Picture 43" descr="A close up of a map&#10;&#10;Description automatically generated">
+            <a:extLst>
+              <a:ext uri="{FF2B5EF4-FFF2-40B4-BE49-F238E27FC236}">
+                <a16:creationId xmlns:a16="http://schemas.microsoft.com/office/drawing/2014/main" id="{88E77FC7-DF48-E04D-A897-DC2C0E3EB01A}"/>
+              </a:ext>
+            </a:extLst>
+          </p:cNvPr>
+          <p:cNvPicPr>
+            <a:picLocks noChangeAspect="1"/>
+          </p:cNvPicPr>
+          <p:nvPr/>
+        </p:nvPicPr>
+        <p:blipFill>
+          <a:blip r:embed="rId2">
+            <a:extLst>
+              <a:ext uri="{28A0092B-C50C-407E-A947-70E740481C1C}">
+                <a14:useLocalDpi xmlns:a14="http://schemas.microsoft.com/office/drawing/2010/main" val="0"/>
+              </a:ext>
+            </a:extLst>
+          </a:blip>
+          <a:srcRect l="100000" t="46774" r="-1905" b="45723"/>
+          <a:stretch>
+            <a:fillRect/>
+          </a:stretch>
+        </p:blipFill>
+        <p:spPr>
+          <a:xfrm rot="20151040">
+            <a:off x="8844152" y="1217161"/>
+            <a:ext cx="174203" cy="466642"/>
+          </a:xfrm>
+          <a:custGeom>
+            <a:avLst/>
+            <a:gdLst>
+              <a:gd name="connsiteX0" fmla="*/ 0 w 174203"/>
+              <a:gd name="connsiteY0" fmla="*/ 0 h 466642"/>
+              <a:gd name="connsiteX1" fmla="*/ 174203 w 174203"/>
+              <a:gd name="connsiteY1" fmla="*/ 78105 h 466642"/>
+              <a:gd name="connsiteX2" fmla="*/ 0 w 174203"/>
+              <a:gd name="connsiteY2" fmla="*/ 466642 h 466642"/>
+              <a:gd name="connsiteX3" fmla="*/ 0 w 174203"/>
+              <a:gd name="connsiteY3" fmla="*/ 0 h 466642"/>
+            </a:gdLst>
+            <a:ahLst/>
+            <a:cxnLst>
+              <a:cxn ang="0">
+                <a:pos x="connsiteX0" y="connsiteY0"/>
+              </a:cxn>
+              <a:cxn ang="0">
+                <a:pos x="connsiteX1" y="connsiteY1"/>
+              </a:cxn>
+              <a:cxn ang="0">
+                <a:pos x="connsiteX2" y="connsiteY2"/>
+              </a:cxn>
+              <a:cxn ang="0">
+                <a:pos x="connsiteX3" y="connsiteY3"/>
+              </a:cxn>
+            </a:cxnLst>
+            <a:rect l="l" t="t" r="r" b="b"/>
+            <a:pathLst>
+              <a:path w="174203" h="466642">
+                <a:moveTo>
+                  <a:pt x="0" y="0"/>
+                </a:moveTo>
+                <a:lnTo>
+                  <a:pt x="174203" y="78105"/>
+                </a:lnTo>
+                <a:lnTo>
+                  <a:pt x="0" y="466642"/>
+                </a:lnTo>
+                <a:lnTo>
+                  <a:pt x="0" y="0"/>
+                </a:lnTo>
+                <a:close/>
+              </a:path>
+            </a:pathLst>
+          </a:custGeom>
+        </p:spPr>
+      </p:pic>
+      <p:pic>
+        <p:nvPicPr>
+          <p:cNvPr id="42" name="Picture 41" descr="A close up of a map&#10;&#10;Description automatically generated">
+            <a:extLst>
+              <a:ext uri="{FF2B5EF4-FFF2-40B4-BE49-F238E27FC236}">
+                <a16:creationId xmlns:a16="http://schemas.microsoft.com/office/drawing/2014/main" id="{E12ACE8A-375D-494B-A08A-FBD5AA354376}"/>
+              </a:ext>
+            </a:extLst>
+          </p:cNvPr>
+          <p:cNvPicPr>
+            <a:picLocks noChangeAspect="1"/>
+          </p:cNvPicPr>
+          <p:nvPr/>
+        </p:nvPicPr>
+        <p:blipFill>
+          <a:blip r:embed="rId2">
+            <a:extLst>
+              <a:ext uri="{28A0092B-C50C-407E-A947-70E740481C1C}">
+                <a14:useLocalDpi xmlns:a14="http://schemas.microsoft.com/office/drawing/2010/main" val="0"/>
+              </a:ext>
+            </a:extLst>
+          </a:blip>
+          <a:srcRect l="84825" t="100000" r="13943" b="-676"/>
+          <a:stretch>
+            <a:fillRect/>
+          </a:stretch>
+        </p:blipFill>
+        <p:spPr>
+          <a:xfrm rot="20151040">
+            <a:off x="8848119" y="4836486"/>
+            <a:ext cx="112642" cy="42051"/>
+          </a:xfrm>
+          <a:custGeom>
+            <a:avLst/>
+            <a:gdLst>
+              <a:gd name="connsiteX0" fmla="*/ 112642 w 112642"/>
+              <a:gd name="connsiteY0" fmla="*/ 0 h 42051"/>
+              <a:gd name="connsiteX1" fmla="*/ 93789 w 112642"/>
+              <a:gd name="connsiteY1" fmla="*/ 42051 h 42051"/>
+              <a:gd name="connsiteX2" fmla="*/ 0 w 112642"/>
+              <a:gd name="connsiteY2" fmla="*/ 0 h 42051"/>
+              <a:gd name="connsiteX3" fmla="*/ 112642 w 112642"/>
+              <a:gd name="connsiteY3" fmla="*/ 0 h 42051"/>
+            </a:gdLst>
+            <a:ahLst/>
+            <a:cxnLst>
+              <a:cxn ang="0">
+                <a:pos x="connsiteX0" y="connsiteY0"/>
+              </a:cxn>
+              <a:cxn ang="0">
+                <a:pos x="connsiteX1" y="connsiteY1"/>
+              </a:cxn>
+              <a:cxn ang="0">
+                <a:pos x="connsiteX2" y="connsiteY2"/>
+              </a:cxn>
+              <a:cxn ang="0">
+                <a:pos x="connsiteX3" y="connsiteY3"/>
+              </a:cxn>
+            </a:cxnLst>
+            <a:rect l="l" t="t" r="r" b="b"/>
+            <a:pathLst>
+              <a:path w="112642" h="42051">
+                <a:moveTo>
+                  <a:pt x="112642" y="0"/>
+                </a:moveTo>
+                <a:lnTo>
+                  <a:pt x="93789" y="42051"/>
+                </a:lnTo>
+                <a:lnTo>
+                  <a:pt x="0" y="0"/>
+                </a:lnTo>
+                <a:lnTo>
+                  <a:pt x="112642" y="0"/>
+                </a:lnTo>
+                <a:close/>
+              </a:path>
+            </a:pathLst>
+          </a:custGeom>
+        </p:spPr>
+      </p:pic>
       <p:sp>
         <p:nvSpPr>
-          <p:cNvPr id="6" name="Rectangle 5">
-            <a:extLst>
-              <a:ext uri="{FF2B5EF4-FFF2-40B4-BE49-F238E27FC236}">
-                <a16:creationId xmlns:a16="http://schemas.microsoft.com/office/drawing/2014/main" id="{96E2FD3A-C333-E24F-81CB-3BECBA46BB26}"/>
+          <p:cNvPr id="13" name="Rectangle 12">
+            <a:extLst>
+              <a:ext uri="{FF2B5EF4-FFF2-40B4-BE49-F238E27FC236}">
+                <a16:creationId xmlns:a16="http://schemas.microsoft.com/office/drawing/2014/main" id="{F8C338B6-59CD-954D-98C7-351E61B71E2A}"/>
               </a:ext>
             </a:extLst>
           </p:cNvPr>
@@ -17481,15 +21261,12 @@
         </p:nvSpPr>
         <p:spPr>
           <a:xfrm>
-            <a:off x="121534" y="1323333"/>
-            <a:ext cx="8582628" cy="369332"/>
+            <a:off x="6059348" y="1797896"/>
+            <a:ext cx="1799863" cy="646331"/>
           </a:xfrm>
           <a:prstGeom prst="rect">
             <a:avLst/>
           </a:prstGeom>
-          <a:solidFill>
-            <a:srgbClr val="0070C0"/>
-          </a:solidFill>
         </p:spPr>
         <p:txBody>
           <a:bodyPr wrap="square">
@@ -17497,24 +21274,155 @@
           </a:bodyPr>
           <a:lstStyle/>
           <a:p>
+            <a:pPr fontAlgn="base"/>
+            <a:r>
+              <a:rPr lang="en-US" b="1" dirty="0">
+                <a:solidFill>
+                  <a:schemeClr val="accent1"/>
+                </a:solidFill>
+                <a:latin typeface="inherit"/>
+              </a:rPr>
+              <a:t>LAT: 48.874911</a:t>
+            </a:r>
+            <a:endParaRPr lang="en-US" b="1" dirty="0">
+              <a:solidFill>
+                <a:schemeClr val="accent1"/>
+              </a:solidFill>
+              <a:latin typeface="proxima-nova"/>
+            </a:endParaRPr>
+          </a:p>
+          <a:p>
+            <a:pPr fontAlgn="base"/>
+            <a:r>
+              <a:rPr lang="en-US" b="1" cap="all" dirty="0">
+                <a:solidFill>
+                  <a:schemeClr val="accent1"/>
+                </a:solidFill>
+                <a:latin typeface="proxima-nova"/>
+              </a:rPr>
+              <a:t>LON</a:t>
+            </a:r>
+            <a:r>
+              <a:rPr lang="en-US" b="1" cap="all" dirty="0">
+                <a:solidFill>
+                  <a:schemeClr val="accent1"/>
+                </a:solidFill>
+                <a:latin typeface="inherit"/>
+              </a:rPr>
+              <a:t>:</a:t>
+            </a:r>
+            <a:r>
+              <a:rPr lang="en-US" b="1" dirty="0">
+                <a:solidFill>
+                  <a:schemeClr val="accent1"/>
+                </a:solidFill>
+                <a:latin typeface="inherit"/>
+              </a:rPr>
+              <a:t>2.310612</a:t>
+            </a:r>
+            <a:endParaRPr lang="en-US" b="1" i="0" dirty="0">
+              <a:solidFill>
+                <a:schemeClr val="accent1"/>
+              </a:solidFill>
+              <a:effectLst/>
+              <a:latin typeface="proxima-nova"/>
+            </a:endParaRPr>
+          </a:p>
+        </p:txBody>
+      </p:sp>
+      <p:sp>
+        <p:nvSpPr>
+          <p:cNvPr id="15" name="TextBox 14">
+            <a:extLst>
+              <a:ext uri="{FF2B5EF4-FFF2-40B4-BE49-F238E27FC236}">
+                <a16:creationId xmlns:a16="http://schemas.microsoft.com/office/drawing/2014/main" id="{AF155576-EB51-4441-AC2A-FAED69B3571C}"/>
+              </a:ext>
+            </a:extLst>
+          </p:cNvPr>
+          <p:cNvSpPr txBox="1"/>
+          <p:nvPr/>
+        </p:nvSpPr>
+        <p:spPr>
+          <a:xfrm>
+            <a:off x="6004999" y="1458410"/>
+            <a:ext cx="3202928" cy="369332"/>
+          </a:xfrm>
+          <a:prstGeom prst="rect">
+            <a:avLst/>
+          </a:prstGeom>
+          <a:noFill/>
+        </p:spPr>
+        <p:txBody>
+          <a:bodyPr wrap="none" rtlCol="0">
+            <a:spAutoFit/>
+          </a:bodyPr>
+          <a:lstStyle/>
+          <a:p>
+            <a:r>
+              <a:rPr lang="en-US" b="1" dirty="0"/>
+              <a:t>Exact Answer has 2 data points.</a:t>
+            </a:r>
+          </a:p>
+        </p:txBody>
+      </p:sp>
+      <p:sp>
+        <p:nvSpPr>
+          <p:cNvPr id="16" name="Oval 15">
+            <a:extLst>
+              <a:ext uri="{FF2B5EF4-FFF2-40B4-BE49-F238E27FC236}">
+                <a16:creationId xmlns:a16="http://schemas.microsoft.com/office/drawing/2014/main" id="{59EEA57E-35E8-134E-AC0E-6AE8328C317B}"/>
+              </a:ext>
+            </a:extLst>
+          </p:cNvPr>
+          <p:cNvSpPr/>
+          <p:nvPr/>
+        </p:nvSpPr>
+        <p:spPr>
+          <a:xfrm>
+            <a:off x="2569580" y="2129742"/>
+            <a:ext cx="694481" cy="694481"/>
+          </a:xfrm>
+          <a:prstGeom prst="ellipse">
+            <a:avLst/>
+          </a:prstGeom>
+          <a:noFill/>
+          <a:ln w="76200">
+            <a:solidFill>
+              <a:srgbClr val="FF0000"/>
+            </a:solidFill>
+          </a:ln>
+        </p:spPr>
+        <p:style>
+          <a:lnRef idx="2">
+            <a:schemeClr val="accent1">
+              <a:shade val="50000"/>
+            </a:schemeClr>
+          </a:lnRef>
+          <a:fillRef idx="1">
+            <a:schemeClr val="accent1"/>
+          </a:fillRef>
+          <a:effectRef idx="0">
+            <a:schemeClr val="accent1"/>
+          </a:effectRef>
+          <a:fontRef idx="minor">
+            <a:schemeClr val="lt1"/>
+          </a:fontRef>
+        </p:style>
+        <p:txBody>
+          <a:bodyPr rtlCol="0" anchor="ctr"/>
+          <a:lstStyle/>
+          <a:p>
             <a:pPr algn="ctr"/>
-            <a:r>
-              <a:rPr lang="en-US" dirty="0">
-                <a:solidFill>
-                  <a:schemeClr val="bg1"/>
-                </a:solidFill>
-              </a:rPr>
-              <a:t>Term Vectors are paired to reduce dimensions</a:t>
-            </a:r>
+            <a:endParaRPr lang="en-US"/>
           </a:p>
         </p:txBody>
       </p:sp>
       <p:cxnSp>
         <p:nvCxnSpPr>
-          <p:cNvPr id="36" name="Straight Connector 35">
-            <a:extLst>
-              <a:ext uri="{FF2B5EF4-FFF2-40B4-BE49-F238E27FC236}">
-                <a16:creationId xmlns:a16="http://schemas.microsoft.com/office/drawing/2014/main" id="{182FAA09-87FB-2549-8CC2-0F3322DD4751}"/>
+          <p:cNvPr id="47" name="Straight Connector 46">
+            <a:extLst>
+              <a:ext uri="{FF2B5EF4-FFF2-40B4-BE49-F238E27FC236}">
+                <a16:creationId xmlns:a16="http://schemas.microsoft.com/office/drawing/2014/main" id="{687C66A0-C715-514A-B936-24F750877E34}"/>
               </a:ext>
             </a:extLst>
           </p:cNvPr>
@@ -17552,256 +21460,180 @@
           </a:fontRef>
         </p:style>
       </p:cxnSp>
-      <p:pic>
-        <p:nvPicPr>
-          <p:cNvPr id="8" name="Picture 7" descr="A close up of a map&#10;&#10;Description automatically generated">
-            <a:extLst>
-              <a:ext uri="{FF2B5EF4-FFF2-40B4-BE49-F238E27FC236}">
-                <a16:creationId xmlns:a16="http://schemas.microsoft.com/office/drawing/2014/main" id="{9957DCA5-0A55-9F4B-A894-CDCA36E34962}"/>
-              </a:ext>
-            </a:extLst>
-          </p:cNvPr>
-          <p:cNvPicPr>
-            <a:picLocks noChangeAspect="1"/>
-          </p:cNvPicPr>
+      <p:cxnSp>
+        <p:nvCxnSpPr>
+          <p:cNvPr id="48" name="Straight Connector 47">
+            <a:extLst>
+              <a:ext uri="{FF2B5EF4-FFF2-40B4-BE49-F238E27FC236}">
+                <a16:creationId xmlns:a16="http://schemas.microsoft.com/office/drawing/2014/main" id="{5C1803B2-C478-8D46-8DFB-084D6807041E}"/>
+              </a:ext>
+            </a:extLst>
+          </p:cNvPr>
+          <p:cNvCxnSpPr/>
           <p:nvPr/>
-        </p:nvPicPr>
-        <p:blipFill>
-          <a:blip r:embed="rId2">
-            <a:extLst>
-              <a:ext uri="{28A0092B-C50C-407E-A947-70E740481C1C}">
-                <a14:useLocalDpi xmlns:a14="http://schemas.microsoft.com/office/drawing/2010/main" val="0"/>
-              </a:ext>
-            </a:extLst>
-          </a:blip>
-          <a:stretch>
-            <a:fillRect/>
-          </a:stretch>
-        </p:blipFill>
+        </p:nvCxnSpPr>
         <p:spPr>
           <a:xfrm>
-            <a:off x="98063" y="1975011"/>
-            <a:ext cx="3187286" cy="1578417"/>
-          </a:xfrm>
-          <a:prstGeom prst="rect">
+            <a:off x="7076661" y="4664763"/>
+            <a:ext cx="182880" cy="0"/>
+          </a:xfrm>
+          <a:prstGeom prst="line">
             <a:avLst/>
           </a:prstGeom>
           <a:ln>
             <a:solidFill>
-              <a:schemeClr val="tx1"/>
+              <a:schemeClr val="bg1">
+                <a:lumMod val="85000"/>
+              </a:schemeClr>
             </a:solidFill>
           </a:ln>
         </p:spPr>
-      </p:pic>
-      <p:pic>
-        <p:nvPicPr>
-          <p:cNvPr id="25" name="Picture 24" descr="A close up of a map&#10;&#10;Description automatically generated">
-            <a:extLst>
-              <a:ext uri="{FF2B5EF4-FFF2-40B4-BE49-F238E27FC236}">
-                <a16:creationId xmlns:a16="http://schemas.microsoft.com/office/drawing/2014/main" id="{DCA4E5E6-93CA-DE42-ACC9-A139E3FEEE92}"/>
-              </a:ext>
-            </a:extLst>
-          </p:cNvPr>
-          <p:cNvPicPr>
-            <a:picLocks noChangeAspect="1"/>
-          </p:cNvPicPr>
+        <p:style>
+          <a:lnRef idx="1">
+            <a:schemeClr val="accent1"/>
+          </a:lnRef>
+          <a:fillRef idx="0">
+            <a:schemeClr val="accent1"/>
+          </a:fillRef>
+          <a:effectRef idx="0">
+            <a:schemeClr val="accent1"/>
+          </a:effectRef>
+          <a:fontRef idx="minor">
+            <a:schemeClr val="tx1"/>
+          </a:fontRef>
+        </p:style>
+      </p:cxnSp>
+      <p:sp>
+        <p:nvSpPr>
+          <p:cNvPr id="49" name="TextBox 48">
+            <a:extLst>
+              <a:ext uri="{FF2B5EF4-FFF2-40B4-BE49-F238E27FC236}">
+                <a16:creationId xmlns:a16="http://schemas.microsoft.com/office/drawing/2014/main" id="{1CFDC6DD-C270-7542-B818-A665B5C72A11}"/>
+              </a:ext>
+            </a:extLst>
+          </p:cNvPr>
+          <p:cNvSpPr txBox="1"/>
           <p:nvPr/>
-        </p:nvPicPr>
-        <p:blipFill>
-          <a:blip r:embed="rId2">
-            <a:extLst>
-              <a:ext uri="{28A0092B-C50C-407E-A947-70E740481C1C}">
-                <a14:useLocalDpi xmlns:a14="http://schemas.microsoft.com/office/drawing/2010/main" val="0"/>
-              </a:ext>
-            </a:extLst>
-          </a:blip>
-          <a:stretch>
-            <a:fillRect/>
-          </a:stretch>
-        </p:blipFill>
+        </p:nvSpPr>
         <p:spPr>
           <a:xfrm>
-            <a:off x="530570" y="2127411"/>
-            <a:ext cx="3187286" cy="1578417"/>
+            <a:off x="6004999" y="2606233"/>
+            <a:ext cx="3139001" cy="923330"/>
           </a:xfrm>
           <a:prstGeom prst="rect">
             <a:avLst/>
           </a:prstGeom>
-          <a:ln>
+          <a:noFill/>
+        </p:spPr>
+        <p:txBody>
+          <a:bodyPr wrap="square" rtlCol="0">
+            <a:spAutoFit/>
+          </a:bodyPr>
+          <a:lstStyle/>
+          <a:p>
+            <a:r>
+              <a:rPr lang="en-US" b="1" dirty="0"/>
+              <a:t>Quick Answer has 1 data point.</a:t>
+            </a:r>
+          </a:p>
+          <a:p>
+            <a:r>
+              <a:rPr lang="en-US" dirty="0"/>
+              <a:t>Its about 1.5k from Arc de Triumph</a:t>
+            </a:r>
+          </a:p>
+        </p:txBody>
+      </p:sp>
+      <p:cxnSp>
+        <p:nvCxnSpPr>
+          <p:cNvPr id="18" name="Straight Arrow Connector 17">
+            <a:extLst>
+              <a:ext uri="{FF2B5EF4-FFF2-40B4-BE49-F238E27FC236}">
+                <a16:creationId xmlns:a16="http://schemas.microsoft.com/office/drawing/2014/main" id="{AF7DA3E5-70CC-8742-B557-7B1793E5238B}"/>
+              </a:ext>
+            </a:extLst>
+          </p:cNvPr>
+          <p:cNvCxnSpPr>
+            <a:cxnSpLocks/>
+          </p:cNvCxnSpPr>
+          <p:nvPr/>
+        </p:nvCxnSpPr>
+        <p:spPr>
+          <a:xfrm flipV="1">
+            <a:off x="462986" y="1412115"/>
+            <a:ext cx="0" cy="2430682"/>
+          </a:xfrm>
+          <a:prstGeom prst="straightConnector1">
+            <a:avLst/>
+          </a:prstGeom>
+          <a:ln w="76200">
             <a:solidFill>
-              <a:schemeClr val="tx1"/>
+              <a:srgbClr val="FF0000"/>
             </a:solidFill>
+            <a:tailEnd type="triangle"/>
           </a:ln>
         </p:spPr>
-      </p:pic>
-      <p:pic>
-        <p:nvPicPr>
-          <p:cNvPr id="26" name="Picture 25" descr="A close up of a map&#10;&#10;Description automatically generated">
-            <a:extLst>
-              <a:ext uri="{FF2B5EF4-FFF2-40B4-BE49-F238E27FC236}">
-                <a16:creationId xmlns:a16="http://schemas.microsoft.com/office/drawing/2014/main" id="{F814DF10-51AE-7D4C-B3B2-CE3B94B805E3}"/>
-              </a:ext>
-            </a:extLst>
-          </p:cNvPr>
-          <p:cNvPicPr>
-            <a:picLocks noChangeAspect="1"/>
-          </p:cNvPicPr>
+        <p:style>
+          <a:lnRef idx="1">
+            <a:schemeClr val="accent1"/>
+          </a:lnRef>
+          <a:fillRef idx="0">
+            <a:schemeClr val="accent1"/>
+          </a:fillRef>
+          <a:effectRef idx="0">
+            <a:schemeClr val="accent1"/>
+          </a:effectRef>
+          <a:fontRef idx="minor">
+            <a:schemeClr val="tx1"/>
+          </a:fontRef>
+        </p:style>
+      </p:cxnSp>
+      <p:cxnSp>
+        <p:nvCxnSpPr>
+          <p:cNvPr id="20" name="Straight Arrow Connector 19">
+            <a:extLst>
+              <a:ext uri="{FF2B5EF4-FFF2-40B4-BE49-F238E27FC236}">
+                <a16:creationId xmlns:a16="http://schemas.microsoft.com/office/drawing/2014/main" id="{E11FDBEC-07F6-EA47-8221-797E77CEF495}"/>
+              </a:ext>
+            </a:extLst>
+          </p:cNvPr>
+          <p:cNvCxnSpPr/>
           <p:nvPr/>
-        </p:nvPicPr>
-        <p:blipFill>
-          <a:blip r:embed="rId2">
-            <a:extLst>
-              <a:ext uri="{28A0092B-C50C-407E-A947-70E740481C1C}">
-                <a14:useLocalDpi xmlns:a14="http://schemas.microsoft.com/office/drawing/2010/main" val="0"/>
-              </a:ext>
-            </a:extLst>
-          </a:blip>
-          <a:stretch>
-            <a:fillRect/>
-          </a:stretch>
-        </p:blipFill>
+        </p:nvCxnSpPr>
         <p:spPr>
           <a:xfrm>
-            <a:off x="963077" y="2279811"/>
-            <a:ext cx="3187286" cy="1578417"/>
-          </a:xfrm>
-          <a:prstGeom prst="rect">
+            <a:off x="474562" y="4155311"/>
+            <a:ext cx="5335929" cy="0"/>
+          </a:xfrm>
+          <a:prstGeom prst="straightConnector1">
             <a:avLst/>
           </a:prstGeom>
-          <a:ln>
+          <a:ln w="76200">
             <a:solidFill>
-              <a:schemeClr val="tx1"/>
+              <a:srgbClr val="FF0000"/>
             </a:solidFill>
+            <a:tailEnd type="triangle"/>
           </a:ln>
         </p:spPr>
-      </p:pic>
-      <p:pic>
-        <p:nvPicPr>
-          <p:cNvPr id="27" name="Picture 26" descr="A close up of a map&#10;&#10;Description automatically generated">
-            <a:extLst>
-              <a:ext uri="{FF2B5EF4-FFF2-40B4-BE49-F238E27FC236}">
-                <a16:creationId xmlns:a16="http://schemas.microsoft.com/office/drawing/2014/main" id="{CEB82B2D-F6F5-0E48-A94F-48B010260194}"/>
-              </a:ext>
-            </a:extLst>
-          </p:cNvPr>
-          <p:cNvPicPr>
-            <a:picLocks noChangeAspect="1"/>
-          </p:cNvPicPr>
-          <p:nvPr/>
-        </p:nvPicPr>
-        <p:blipFill>
-          <a:blip r:embed="rId2">
-            <a:extLst>
-              <a:ext uri="{28A0092B-C50C-407E-A947-70E740481C1C}">
-                <a14:useLocalDpi xmlns:a14="http://schemas.microsoft.com/office/drawing/2010/main" val="0"/>
-              </a:ext>
-            </a:extLst>
-          </a:blip>
-          <a:stretch>
-            <a:fillRect/>
-          </a:stretch>
-        </p:blipFill>
-        <p:spPr>
-          <a:xfrm>
-            <a:off x="1395584" y="2432211"/>
-            <a:ext cx="3187286" cy="1578417"/>
-          </a:xfrm>
-          <a:prstGeom prst="rect">
-            <a:avLst/>
-          </a:prstGeom>
-          <a:ln>
-            <a:solidFill>
-              <a:schemeClr val="tx1"/>
-            </a:solidFill>
-          </a:ln>
-        </p:spPr>
-      </p:pic>
-      <p:pic>
-        <p:nvPicPr>
-          <p:cNvPr id="38" name="Picture 37" descr="A close up of a map&#10;&#10;Description automatically generated">
-            <a:extLst>
-              <a:ext uri="{FF2B5EF4-FFF2-40B4-BE49-F238E27FC236}">
-                <a16:creationId xmlns:a16="http://schemas.microsoft.com/office/drawing/2014/main" id="{B9DC3F1F-EFCD-004D-86DC-DA36394D0D1C}"/>
-              </a:ext>
-            </a:extLst>
-          </p:cNvPr>
-          <p:cNvPicPr>
-            <a:picLocks noChangeAspect="1"/>
-          </p:cNvPicPr>
-          <p:nvPr/>
-        </p:nvPicPr>
-        <p:blipFill>
-          <a:blip r:embed="rId2">
-            <a:extLst>
-              <a:ext uri="{28A0092B-C50C-407E-A947-70E740481C1C}">
-                <a14:useLocalDpi xmlns:a14="http://schemas.microsoft.com/office/drawing/2010/main" val="0"/>
-              </a:ext>
-            </a:extLst>
-          </a:blip>
-          <a:stretch>
-            <a:fillRect/>
-          </a:stretch>
-        </p:blipFill>
-        <p:spPr>
-          <a:xfrm>
-            <a:off x="1828091" y="2584611"/>
-            <a:ext cx="3187286" cy="1578417"/>
-          </a:xfrm>
-          <a:prstGeom prst="rect">
-            <a:avLst/>
-          </a:prstGeom>
-          <a:ln>
-            <a:solidFill>
-              <a:schemeClr val="tx1"/>
-            </a:solidFill>
-          </a:ln>
-        </p:spPr>
-      </p:pic>
-      <p:pic>
-        <p:nvPicPr>
-          <p:cNvPr id="39" name="Picture 38" descr="A close up of a map&#10;&#10;Description automatically generated">
-            <a:extLst>
-              <a:ext uri="{FF2B5EF4-FFF2-40B4-BE49-F238E27FC236}">
-                <a16:creationId xmlns:a16="http://schemas.microsoft.com/office/drawing/2014/main" id="{86A82B43-4B3C-2E43-9765-1A70A0856BAC}"/>
-              </a:ext>
-            </a:extLst>
-          </p:cNvPr>
-          <p:cNvPicPr>
-            <a:picLocks noChangeAspect="1"/>
-          </p:cNvPicPr>
-          <p:nvPr/>
-        </p:nvPicPr>
-        <p:blipFill>
-          <a:blip r:embed="rId2">
-            <a:extLst>
-              <a:ext uri="{28A0092B-C50C-407E-A947-70E740481C1C}">
-                <a14:useLocalDpi xmlns:a14="http://schemas.microsoft.com/office/drawing/2010/main" val="0"/>
-              </a:ext>
-            </a:extLst>
-          </a:blip>
-          <a:stretch>
-            <a:fillRect/>
-          </a:stretch>
-        </p:blipFill>
-        <p:spPr>
-          <a:xfrm>
-            <a:off x="2260600" y="3165275"/>
-            <a:ext cx="3187286" cy="1578417"/>
-          </a:xfrm>
-          <a:prstGeom prst="rect">
-            <a:avLst/>
-          </a:prstGeom>
-          <a:ln>
-            <a:solidFill>
-              <a:schemeClr val="tx1"/>
-            </a:solidFill>
-          </a:ln>
-        </p:spPr>
-      </p:pic>
+        <p:style>
+          <a:lnRef idx="1">
+            <a:schemeClr val="accent1"/>
+          </a:lnRef>
+          <a:fillRef idx="0">
+            <a:schemeClr val="accent1"/>
+          </a:fillRef>
+          <a:effectRef idx="0">
+            <a:schemeClr val="accent1"/>
+          </a:effectRef>
+          <a:fontRef idx="minor">
+            <a:schemeClr val="tx1"/>
+          </a:fontRef>
+        </p:style>
+      </p:cxnSp>
     </p:spTree>
     <p:extLst>
       <p:ext uri="{BB962C8B-B14F-4D97-AF65-F5344CB8AC3E}">
-        <p14:creationId xmlns:p14="http://schemas.microsoft.com/office/powerpoint/2010/main" val="1484447965"/>
+        <p14:creationId xmlns:p14="http://schemas.microsoft.com/office/powerpoint/2010/main" val="1106698630"/>
       </p:ext>
     </p:extLst>
   </p:cSld>
@@ -17829,7 +21661,7 @@
                             </p:stCondLst>
                             <p:childTnLst>
                               <p:par>
-                                <p:cTn id="5" presetID="1" presetClass="entr" presetSubtype="0" fill="hold" nodeType="clickEffect">
+                                <p:cTn id="5" presetID="1" presetClass="entr" presetSubtype="0" fill="hold" grpId="0" nodeType="clickEffect">
                                   <p:stCondLst>
                                     <p:cond delay="0"/>
                                   </p:stCondLst>
@@ -17842,7 +21674,7 @@
                                           </p:stCondLst>
                                         </p:cTn>
                                         <p:tgtEl>
-                                          <p:spTgt spid="8"/>
+                                          <p:spTgt spid="16"/>
                                         </p:tgtEl>
                                         <p:attrNameLst>
                                           <p:attrName>style.visibility</p:attrName>
@@ -17874,7 +21706,7 @@
                             </p:stCondLst>
                             <p:childTnLst>
                               <p:par>
-                                <p:cTn id="9" presetID="1" presetClass="entr" presetSubtype="0" fill="hold" nodeType="clickEffect">
+                                <p:cTn id="9" presetID="1" presetClass="entr" presetSubtype="0" fill="hold" grpId="0" nodeType="clickEffect">
                                   <p:stCondLst>
                                     <p:cond delay="0"/>
                                   </p:stCondLst>
@@ -17887,7 +21719,34 @@
                                           </p:stCondLst>
                                         </p:cTn>
                                         <p:tgtEl>
-                                          <p:spTgt spid="25"/>
+                                          <p:spTgt spid="15"/>
+                                        </p:tgtEl>
+                                        <p:attrNameLst>
+                                          <p:attrName>style.visibility</p:attrName>
+                                        </p:attrNameLst>
+                                      </p:cBhvr>
+                                      <p:to>
+                                        <p:strVal val="visible"/>
+                                      </p:to>
+                                    </p:set>
+                                  </p:childTnLst>
+                                </p:cTn>
+                              </p:par>
+                              <p:par>
+                                <p:cTn id="11" presetID="1" presetClass="entr" presetSubtype="0" fill="hold" grpId="0" nodeType="withEffect">
+                                  <p:stCondLst>
+                                    <p:cond delay="0"/>
+                                  </p:stCondLst>
+                                  <p:childTnLst>
+                                    <p:set>
+                                      <p:cBhvr>
+                                        <p:cTn id="12" dur="1" fill="hold">
+                                          <p:stCondLst>
+                                            <p:cond delay="0"/>
+                                          </p:stCondLst>
+                                        </p:cTn>
+                                        <p:tgtEl>
+                                          <p:spTgt spid="13"/>
                                         </p:tgtEl>
                                         <p:attrNameLst>
                                           <p:attrName>style.visibility</p:attrName>
@@ -17907,32 +21766,32 @@
                     </p:cTn>
                   </p:par>
                   <p:par>
-                    <p:cTn id="11" fill="hold">
+                    <p:cTn id="13" fill="hold">
                       <p:stCondLst>
                         <p:cond delay="indefinite"/>
                       </p:stCondLst>
                       <p:childTnLst>
                         <p:par>
-                          <p:cTn id="12" fill="hold">
+                          <p:cTn id="14" fill="hold">
                             <p:stCondLst>
                               <p:cond delay="0"/>
                             </p:stCondLst>
                             <p:childTnLst>
                               <p:par>
-                                <p:cTn id="13" presetID="1" presetClass="entr" presetSubtype="0" fill="hold" nodeType="clickEffect">
+                                <p:cTn id="15" presetID="1" presetClass="entr" presetSubtype="0" fill="hold" nodeType="clickEffect">
                                   <p:stCondLst>
                                     <p:cond delay="0"/>
                                   </p:stCondLst>
                                   <p:childTnLst>
                                     <p:set>
                                       <p:cBhvr>
-                                        <p:cTn id="14" dur="1" fill="hold">
+                                        <p:cTn id="16" dur="1" fill="hold">
                                           <p:stCondLst>
                                             <p:cond delay="0"/>
                                           </p:stCondLst>
                                         </p:cTn>
                                         <p:tgtEl>
-                                          <p:spTgt spid="26"/>
+                                          <p:spTgt spid="18"/>
                                         </p:tgtEl>
                                         <p:attrNameLst>
                                           <p:attrName>style.visibility</p:attrName>
@@ -17945,26 +21804,8 @@
                                   </p:childTnLst>
                                 </p:cTn>
                               </p:par>
-                            </p:childTnLst>
-                          </p:cTn>
-                        </p:par>
-                      </p:childTnLst>
-                    </p:cTn>
-                  </p:par>
-                  <p:par>
-                    <p:cTn id="15" fill="hold">
-                      <p:stCondLst>
-                        <p:cond delay="indefinite"/>
-                      </p:stCondLst>
-                      <p:childTnLst>
-                        <p:par>
-                          <p:cTn id="16" fill="hold">
-                            <p:stCondLst>
-                              <p:cond delay="0"/>
-                            </p:stCondLst>
-                            <p:childTnLst>
                               <p:par>
-                                <p:cTn id="17" presetID="1" presetClass="entr" presetSubtype="0" fill="hold" nodeType="clickEffect">
+                                <p:cTn id="17" presetID="1" presetClass="entr" presetSubtype="0" fill="hold" nodeType="withEffect">
                                   <p:stCondLst>
                                     <p:cond delay="0"/>
                                   </p:stCondLst>
@@ -17977,7 +21818,7 @@
                                           </p:stCondLst>
                                         </p:cTn>
                                         <p:tgtEl>
-                                          <p:spTgt spid="27"/>
+                                          <p:spTgt spid="20"/>
                                         </p:tgtEl>
                                         <p:attrNameLst>
                                           <p:attrName>style.visibility</p:attrName>
@@ -18009,65 +21850,82 @@
                             </p:stCondLst>
                             <p:childTnLst>
                               <p:par>
-                                <p:cTn id="21" presetID="1" presetClass="entr" presetSubtype="0" fill="hold" nodeType="clickEffect">
+                                <p:cTn id="21" presetID="9" presetClass="emph" presetSubtype="0" nodeType="clickEffect">
                                   <p:stCondLst>
                                     <p:cond delay="0"/>
                                   </p:stCondLst>
                                   <p:childTnLst>
                                     <p:set>
                                       <p:cBhvr>
-                                        <p:cTn id="22" dur="1" fill="hold">
-                                          <p:stCondLst>
-                                            <p:cond delay="0"/>
-                                          </p:stCondLst>
-                                        </p:cTn>
+                                        <p:cTn id="22" dur="indefinite"/>
                                         <p:tgtEl>
-                                          <p:spTgt spid="38"/>
+                                          <p:spTgt spid="18"/>
                                         </p:tgtEl>
                                         <p:attrNameLst>
-                                          <p:attrName>style.visibility</p:attrName>
+                                          <p:attrName>style.opacity</p:attrName>
                                         </p:attrNameLst>
                                       </p:cBhvr>
                                       <p:to>
-                                        <p:strVal val="visible"/>
+                                        <p:strVal val="0.25"/>
                                       </p:to>
                                     </p:set>
+                                    <p:animEffect filter="image" prLst="opacity: 0.25">
+                                      <p:cBhvr rctx="IE">
+                                        <p:cTn id="23" dur="indefinite"/>
+                                        <p:tgtEl>
+                                          <p:spTgt spid="18"/>
+                                        </p:tgtEl>
+                                      </p:cBhvr>
+                                    </p:animEffect>
                                   </p:childTnLst>
                                 </p:cTn>
                               </p:par>
-                            </p:childTnLst>
-                          </p:cTn>
-                        </p:par>
-                      </p:childTnLst>
-                    </p:cTn>
-                  </p:par>
-                  <p:par>
-                    <p:cTn id="23" fill="hold">
-                      <p:stCondLst>
-                        <p:cond delay="indefinite"/>
-                      </p:stCondLst>
-                      <p:childTnLst>
-                        <p:par>
-                          <p:cTn id="24" fill="hold">
-                            <p:stCondLst>
-                              <p:cond delay="0"/>
-                            </p:stCondLst>
-                            <p:childTnLst>
                               <p:par>
-                                <p:cTn id="25" presetID="1" presetClass="entr" presetSubtype="0" fill="hold" nodeType="clickEffect">
+                                <p:cTn id="24" presetID="9" presetClass="emph" presetSubtype="0" nodeType="withEffect">
                                   <p:stCondLst>
                                     <p:cond delay="0"/>
                                   </p:stCondLst>
                                   <p:childTnLst>
                                     <p:set>
                                       <p:cBhvr>
-                                        <p:cTn id="26" dur="1" fill="hold">
+                                        <p:cTn id="25" dur="indefinite"/>
+                                        <p:tgtEl>
+                                          <p:spTgt spid="20"/>
+                                        </p:tgtEl>
+                                        <p:attrNameLst>
+                                          <p:attrName>style.opacity</p:attrName>
+                                        </p:attrNameLst>
+                                      </p:cBhvr>
+                                      <p:to>
+                                        <p:strVal val="0.25"/>
+                                      </p:to>
+                                    </p:set>
+                                    <p:animEffect filter="image" prLst="opacity: 0.25">
+                                      <p:cBhvr rctx="IE">
+                                        <p:cTn id="26" dur="indefinite"/>
+                                        <p:tgtEl>
+                                          <p:spTgt spid="20"/>
+                                        </p:tgtEl>
+                                      </p:cBhvr>
+                                    </p:animEffect>
+                                  </p:childTnLst>
+                                </p:cTn>
+                              </p:par>
+                              <p:par>
+                                <p:cTn id="27" presetID="1" presetClass="entr" presetSubtype="0" fill="hold" grpId="0" nodeType="withEffect">
+                                  <p:stCondLst>
+                                    <p:cond delay="0"/>
+                                  </p:stCondLst>
+                                  <p:childTnLst>
+                                    <p:set>
+                                      <p:cBhvr>
+                                        <p:cTn id="28" dur="1" fill="hold">
                                           <p:stCondLst>
                                             <p:cond delay="0"/>
                                           </p:stCondLst>
                                         </p:cTn>
                                         <p:tgtEl>
-                                          <p:spTgt spid="39"/>
+                                          <p:spTgt spid="49"/>
                                         </p:tgtEl>
                                         <p:attrNameLst>
                                           <p:attrName>style.visibility</p:attrName>
@@ -18107,6 +21965,12 @@
         </p:cTn>
       </p:par>
     </p:tnLst>
+    <p:bldLst>
+      <p:bldP spid="13" grpId="0"/>
+      <p:bldP spid="15" grpId="0"/>
+      <p:bldP spid="16" grpId="0" animBg="1"/>
+      <p:bldP spid="49" grpId="0"/>
+    </p:bldLst>
   </p:timing>
 </p:sld>
 </file>
